--- a/7_basis_kernel.pptx
+++ b/7_basis_kernel.pptx
@@ -20,29 +20,30 @@
     <p:sldId id="275" r:id="rId14"/>
     <p:sldId id="268" r:id="rId15"/>
     <p:sldId id="270" r:id="rId16"/>
-    <p:sldId id="273" r:id="rId17"/>
-    <p:sldId id="272" r:id="rId18"/>
-    <p:sldId id="269" r:id="rId19"/>
-    <p:sldId id="279" r:id="rId20"/>
-    <p:sldId id="293" r:id="rId21"/>
-    <p:sldId id="274" r:id="rId22"/>
-    <p:sldId id="276" r:id="rId23"/>
-    <p:sldId id="277" r:id="rId24"/>
-    <p:sldId id="278" r:id="rId25"/>
-    <p:sldId id="280" r:id="rId26"/>
-    <p:sldId id="281" r:id="rId27"/>
-    <p:sldId id="282" r:id="rId28"/>
-    <p:sldId id="292" r:id="rId29"/>
-    <p:sldId id="294" r:id="rId30"/>
-    <p:sldId id="283" r:id="rId31"/>
-    <p:sldId id="284" r:id="rId32"/>
-    <p:sldId id="286" r:id="rId33"/>
-    <p:sldId id="288" r:id="rId34"/>
-    <p:sldId id="285" r:id="rId35"/>
-    <p:sldId id="287" r:id="rId36"/>
-    <p:sldId id="289" r:id="rId37"/>
-    <p:sldId id="290" r:id="rId38"/>
-    <p:sldId id="291" r:id="rId39"/>
+    <p:sldId id="295" r:id="rId17"/>
+    <p:sldId id="273" r:id="rId18"/>
+    <p:sldId id="272" r:id="rId19"/>
+    <p:sldId id="269" r:id="rId20"/>
+    <p:sldId id="279" r:id="rId21"/>
+    <p:sldId id="293" r:id="rId22"/>
+    <p:sldId id="274" r:id="rId23"/>
+    <p:sldId id="276" r:id="rId24"/>
+    <p:sldId id="277" r:id="rId25"/>
+    <p:sldId id="278" r:id="rId26"/>
+    <p:sldId id="280" r:id="rId27"/>
+    <p:sldId id="281" r:id="rId28"/>
+    <p:sldId id="282" r:id="rId29"/>
+    <p:sldId id="292" r:id="rId30"/>
+    <p:sldId id="294" r:id="rId31"/>
+    <p:sldId id="283" r:id="rId32"/>
+    <p:sldId id="285" r:id="rId33"/>
+    <p:sldId id="284" r:id="rId34"/>
+    <p:sldId id="286" r:id="rId35"/>
+    <p:sldId id="288" r:id="rId36"/>
+    <p:sldId id="287" r:id="rId37"/>
+    <p:sldId id="289" r:id="rId38"/>
+    <p:sldId id="290" r:id="rId39"/>
+    <p:sldId id="291" r:id="rId40"/>
   </p:sldIdLst>
   <p:sldSz cx="12192000" cy="6858000"/>
   <p:notesSz cx="6858000" cy="9144000"/>
@@ -871,7 +872,7 @@
           <a:p>
             <a:fld id="{8372E98D-C7DD-42F9-ACF5-1B1B12F6B0CE}" type="datetimeFigureOut">
               <a:rPr lang="zh-CN" altLang="en-US" smtClean="0"/>
-              <a:t>2019/11/2</a:t>
+              <a:t>2019/11/6</a:t>
             </a:fld>
             <a:endParaRPr lang="zh-CN" altLang="en-US"/>
           </a:p>
@@ -1122,7 +1123,7 @@
           <a:p>
             <a:fld id="{8372E98D-C7DD-42F9-ACF5-1B1B12F6B0CE}" type="datetimeFigureOut">
               <a:rPr lang="zh-CN" altLang="en-US" smtClean="0"/>
-              <a:t>2019/11/2</a:t>
+              <a:t>2019/11/6</a:t>
             </a:fld>
             <a:endParaRPr lang="zh-CN" altLang="en-US"/>
           </a:p>
@@ -1436,7 +1437,7 @@
           <a:p>
             <a:fld id="{8372E98D-C7DD-42F9-ACF5-1B1B12F6B0CE}" type="datetimeFigureOut">
               <a:rPr lang="zh-CN" altLang="en-US" smtClean="0"/>
-              <a:t>2019/11/2</a:t>
+              <a:t>2019/11/6</a:t>
             </a:fld>
             <a:endParaRPr lang="zh-CN" altLang="en-US"/>
           </a:p>
@@ -1777,7 +1778,7 @@
           <a:p>
             <a:fld id="{8372E98D-C7DD-42F9-ACF5-1B1B12F6B0CE}" type="datetimeFigureOut">
               <a:rPr lang="zh-CN" altLang="en-US" smtClean="0"/>
-              <a:t>2019/11/2</a:t>
+              <a:t>2019/11/6</a:t>
             </a:fld>
             <a:endParaRPr lang="zh-CN" altLang="en-US"/>
           </a:p>
@@ -2091,7 +2092,7 @@
           <a:p>
             <a:fld id="{8372E98D-C7DD-42F9-ACF5-1B1B12F6B0CE}" type="datetimeFigureOut">
               <a:rPr lang="zh-CN" altLang="en-US" smtClean="0"/>
-              <a:t>2019/11/2</a:t>
+              <a:t>2019/11/6</a:t>
             </a:fld>
             <a:endParaRPr lang="zh-CN" altLang="en-US"/>
           </a:p>
@@ -2484,7 +2485,7 @@
           <a:p>
             <a:fld id="{8372E98D-C7DD-42F9-ACF5-1B1B12F6B0CE}" type="datetimeFigureOut">
               <a:rPr lang="zh-CN" altLang="en-US" smtClean="0"/>
-              <a:t>2019/11/2</a:t>
+              <a:t>2019/11/6</a:t>
             </a:fld>
             <a:endParaRPr lang="zh-CN" altLang="en-US"/>
           </a:p>
@@ -2654,7 +2655,7 @@
           <a:p>
             <a:fld id="{8372E98D-C7DD-42F9-ACF5-1B1B12F6B0CE}" type="datetimeFigureOut">
               <a:rPr lang="zh-CN" altLang="en-US" smtClean="0"/>
-              <a:t>2019/11/2</a:t>
+              <a:t>2019/11/6</a:t>
             </a:fld>
             <a:endParaRPr lang="zh-CN" altLang="en-US"/>
           </a:p>
@@ -2834,7 +2835,7 @@
           <a:p>
             <a:fld id="{8372E98D-C7DD-42F9-ACF5-1B1B12F6B0CE}" type="datetimeFigureOut">
               <a:rPr lang="zh-CN" altLang="en-US" smtClean="0"/>
-              <a:t>2019/11/2</a:t>
+              <a:t>2019/11/6</a:t>
             </a:fld>
             <a:endParaRPr lang="zh-CN" altLang="en-US"/>
           </a:p>
@@ -3010,7 +3011,7 @@
           <a:p>
             <a:fld id="{8372E98D-C7DD-42F9-ACF5-1B1B12F6B0CE}" type="datetimeFigureOut">
               <a:rPr lang="zh-CN" altLang="en-US" smtClean="0"/>
-              <a:t>2019/11/2</a:t>
+              <a:t>2019/11/6</a:t>
             </a:fld>
             <a:endParaRPr lang="zh-CN" altLang="en-US"/>
           </a:p>
@@ -3257,7 +3258,7 @@
           <a:p>
             <a:fld id="{8372E98D-C7DD-42F9-ACF5-1B1B12F6B0CE}" type="datetimeFigureOut">
               <a:rPr lang="zh-CN" altLang="en-US" smtClean="0"/>
-              <a:t>2019/11/2</a:t>
+              <a:t>2019/11/6</a:t>
             </a:fld>
             <a:endParaRPr lang="zh-CN" altLang="en-US"/>
           </a:p>
@@ -3489,7 +3490,7 @@
           <a:p>
             <a:fld id="{8372E98D-C7DD-42F9-ACF5-1B1B12F6B0CE}" type="datetimeFigureOut">
               <a:rPr lang="zh-CN" altLang="en-US" smtClean="0"/>
-              <a:t>2019/11/2</a:t>
+              <a:t>2019/11/6</a:t>
             </a:fld>
             <a:endParaRPr lang="zh-CN" altLang="en-US"/>
           </a:p>
@@ -3863,7 +3864,7 @@
           <a:p>
             <a:fld id="{8372E98D-C7DD-42F9-ACF5-1B1B12F6B0CE}" type="datetimeFigureOut">
               <a:rPr lang="zh-CN" altLang="en-US" smtClean="0"/>
-              <a:t>2019/11/2</a:t>
+              <a:t>2019/11/6</a:t>
             </a:fld>
             <a:endParaRPr lang="zh-CN" altLang="en-US"/>
           </a:p>
@@ -3986,7 +3987,7 @@
           <a:p>
             <a:fld id="{8372E98D-C7DD-42F9-ACF5-1B1B12F6B0CE}" type="datetimeFigureOut">
               <a:rPr lang="zh-CN" altLang="en-US" smtClean="0"/>
-              <a:t>2019/11/2</a:t>
+              <a:t>2019/11/6</a:t>
             </a:fld>
             <a:endParaRPr lang="zh-CN" altLang="en-US"/>
           </a:p>
@@ -4081,7 +4082,7 @@
           <a:p>
             <a:fld id="{8372E98D-C7DD-42F9-ACF5-1B1B12F6B0CE}" type="datetimeFigureOut">
               <a:rPr lang="zh-CN" altLang="en-US" smtClean="0"/>
-              <a:t>2019/11/2</a:t>
+              <a:t>2019/11/6</a:t>
             </a:fld>
             <a:endParaRPr lang="zh-CN" altLang="en-US"/>
           </a:p>
@@ -4336,7 +4337,7 @@
           <a:p>
             <a:fld id="{8372E98D-C7DD-42F9-ACF5-1B1B12F6B0CE}" type="datetimeFigureOut">
               <a:rPr lang="zh-CN" altLang="en-US" smtClean="0"/>
-              <a:t>2019/11/2</a:t>
+              <a:t>2019/11/6</a:t>
             </a:fld>
             <a:endParaRPr lang="zh-CN" altLang="en-US"/>
           </a:p>
@@ -4599,7 +4600,7 @@
           <a:p>
             <a:fld id="{8372E98D-C7DD-42F9-ACF5-1B1B12F6B0CE}" type="datetimeFigureOut">
               <a:rPr lang="zh-CN" altLang="en-US" smtClean="0"/>
-              <a:t>2019/11/2</a:t>
+              <a:t>2019/11/6</a:t>
             </a:fld>
             <a:endParaRPr lang="zh-CN" altLang="en-US"/>
           </a:p>
@@ -5342,7 +5343,7 @@
           <a:p>
             <a:fld id="{8372E98D-C7DD-42F9-ACF5-1B1B12F6B0CE}" type="datetimeFigureOut">
               <a:rPr lang="zh-CN" altLang="en-US" smtClean="0"/>
-              <a:t>2019/11/2</a:t>
+              <a:t>2019/11/6</a:t>
             </a:fld>
             <a:endParaRPr lang="zh-CN" altLang="en-US"/>
           </a:p>
@@ -6275,6 +6276,42 @@
           </a:prstGeom>
         </p:spPr>
       </p:pic>
+      <p:pic>
+        <p:nvPicPr>
+          <p:cNvPr id="5" name="图片 4">
+            <a:extLst>
+              <a:ext uri="{FF2B5EF4-FFF2-40B4-BE49-F238E27FC236}">
+                <a16:creationId xmlns:a16="http://schemas.microsoft.com/office/drawing/2014/main" id="{A280B122-85DD-4A7A-8E10-4AB018E0980D}"/>
+              </a:ext>
+            </a:extLst>
+          </p:cNvPr>
+          <p:cNvPicPr>
+            <a:picLocks noChangeAspect="1"/>
+          </p:cNvPicPr>
+          <p:nvPr/>
+        </p:nvPicPr>
+        <p:blipFill>
+          <a:blip r:embed="rId3">
+            <a:extLst>
+              <a:ext uri="{28A0092B-C50C-407E-A947-70E740481C1C}">
+                <a14:useLocalDpi xmlns:a14="http://schemas.microsoft.com/office/drawing/2010/main" val="0"/>
+              </a:ext>
+            </a:extLst>
+          </a:blip>
+          <a:stretch>
+            <a:fillRect/>
+          </a:stretch>
+        </p:blipFill>
+        <p:spPr>
+          <a:xfrm>
+            <a:off x="5782804" y="1709257"/>
+            <a:ext cx="6409196" cy="4806897"/>
+          </a:xfrm>
+          <a:prstGeom prst="rect">
+            <a:avLst/>
+          </a:prstGeom>
+        </p:spPr>
+      </p:pic>
     </p:spTree>
     <p:extLst>
       <p:ext uri="{BB962C8B-B14F-4D97-AF65-F5344CB8AC3E}">
@@ -6919,73 +6956,88 @@
         </p:spPr>
         <p:txBody>
           <a:bodyPr>
-            <a:normAutofit/>
+            <a:normAutofit lnSpcReduction="10000"/>
           </a:bodyPr>
           <a:lstStyle/>
           <a:p>
             <a:r>
-              <a:rPr lang="zh-CN" altLang="en-US" sz="2400"/>
+              <a:rPr lang="zh-CN" altLang="en-US" sz="2400" dirty="0"/>
               <a:t>随机产生无数个特征（</a:t>
             </a:r>
             <a:r>
-              <a:rPr lang="en-US" altLang="zh-CN" sz="2400"/>
+              <a:rPr lang="en-US" altLang="zh-CN" sz="2400" dirty="0"/>
               <a:t>10</a:t>
             </a:r>
             <a:r>
-              <a:rPr lang="zh-CN" altLang="en-US" sz="2400"/>
+              <a:rPr lang="zh-CN" altLang="en-US" sz="2400" dirty="0"/>
               <a:t>万）总有适合的</a:t>
             </a:r>
-            <a:endParaRPr lang="en-US" altLang="zh-CN" sz="2400"/>
-          </a:p>
-          <a:p>
-            <a:r>
-              <a:rPr lang="zh-CN" altLang="en-US" sz="2400"/>
+            <a:endParaRPr lang="en-US" altLang="zh-CN" sz="2400" dirty="0"/>
+          </a:p>
+          <a:p>
+            <a:r>
+              <a:rPr lang="zh-CN" altLang="en-US" sz="2400" dirty="0"/>
               <a:t>随机取若干个子变量，例如</a:t>
             </a:r>
             <a:r>
-              <a:rPr lang="en-US" altLang="zh-CN" sz="2400"/>
+              <a:rPr lang="en-US" altLang="zh-CN" sz="2400" dirty="0"/>
               <a:t>x1,x4,x6</a:t>
             </a:r>
           </a:p>
           <a:p>
             <a:r>
-              <a:rPr lang="zh-CN" altLang="en-US" sz="2400"/>
+              <a:rPr lang="zh-CN" altLang="en-US" sz="2400" dirty="0"/>
               <a:t>随机正态分布产生相应的权重</a:t>
             </a:r>
-            <a:endParaRPr lang="en-US" altLang="zh-CN" sz="2400"/>
-          </a:p>
-          <a:p>
-            <a:r>
-              <a:rPr lang="en-US" altLang="zh-CN" sz="2400"/>
-              <a:t>Bit(i)=w1*x1+w4*x4+w6*x6&gt;T</a:t>
-            </a:r>
-          </a:p>
-          <a:p>
-            <a:r>
-              <a:rPr lang="zh-CN" altLang="en-US" sz="2400"/>
+            <a:endParaRPr lang="en-US" altLang="zh-CN" sz="2400" dirty="0"/>
+          </a:p>
+          <a:p>
+            <a:r>
+              <a:rPr lang="en-US" altLang="zh-CN" sz="2400" dirty="0"/>
+              <a:t>Bit(</a:t>
+            </a:r>
+            <a:r>
+              <a:rPr lang="en-US" altLang="zh-CN" sz="2400" dirty="0" err="1"/>
+              <a:t>i</a:t>
+            </a:r>
+            <a:r>
+              <a:rPr lang="en-US" altLang="zh-CN" sz="2400" dirty="0"/>
+              <a:t>)=w1*x1+w4*x4+w6*x6&gt;T</a:t>
+            </a:r>
+          </a:p>
+          <a:p>
+            <a:r>
+              <a:rPr lang="zh-CN" altLang="en-US" sz="2400" dirty="0"/>
               <a:t>使用正则化的回归和逻辑回归</a:t>
             </a:r>
-            <a:endParaRPr lang="en-US" altLang="zh-CN" sz="2400"/>
-          </a:p>
-          <a:p>
-            <a:r>
-              <a:rPr lang="zh-CN" altLang="en-US" sz="2400"/>
+            <a:endParaRPr lang="en-US" altLang="zh-CN" sz="2400" dirty="0"/>
+          </a:p>
+          <a:p>
+            <a:r>
+              <a:rPr lang="zh-CN" altLang="en-US" sz="2400" dirty="0"/>
               <a:t>使用</a:t>
             </a:r>
             <a:r>
-              <a:rPr lang="en-US" altLang="zh-CN" sz="2400"/>
+              <a:rPr lang="en-US" altLang="zh-CN" sz="2400" dirty="0"/>
               <a:t>SSE</a:t>
             </a:r>
             <a:r>
-              <a:rPr lang="zh-CN" altLang="en-US" sz="2400"/>
+              <a:rPr lang="zh-CN" altLang="en-US" sz="2400" dirty="0"/>
               <a:t>加速</a:t>
             </a:r>
-            <a:endParaRPr lang="en-US" altLang="zh-CN" sz="2400"/>
-          </a:p>
-          <a:p>
-            <a:r>
-              <a:rPr lang="zh-CN" altLang="en-US" sz="2400"/>
+            <a:endParaRPr lang="en-US" altLang="zh-CN" sz="2400" dirty="0"/>
+          </a:p>
+          <a:p>
+            <a:r>
+              <a:rPr lang="zh-CN" altLang="en-US" sz="2400" dirty="0"/>
               <a:t>非常准确</a:t>
+            </a:r>
+            <a:endParaRPr lang="en-US" altLang="zh-CN" sz="2400" dirty="0"/>
+          </a:p>
+          <a:p>
+            <a:r>
+              <a:rPr lang="zh-CN" altLang="en-US" sz="2400" dirty="0"/>
+              <a:t>新泽西理工学院接棒</a:t>
             </a:r>
           </a:p>
         </p:txBody>
@@ -7055,6 +7107,94 @@
           <p:cNvPr id="2" name="标题 1">
             <a:extLst>
               <a:ext uri="{FF2B5EF4-FFF2-40B4-BE49-F238E27FC236}">
+                <a16:creationId xmlns:a16="http://schemas.microsoft.com/office/drawing/2014/main" id="{ABC74426-EBEF-44C2-ADE6-5A929EDA4A3D}"/>
+              </a:ext>
+            </a:extLst>
+          </p:cNvPr>
+          <p:cNvSpPr>
+            <a:spLocks noGrp="1"/>
+          </p:cNvSpPr>
+          <p:nvPr>
+            <p:ph type="title"/>
+          </p:nvPr>
+        </p:nvSpPr>
+        <p:spPr/>
+        <p:txBody>
+          <a:bodyPr/>
+          <a:lstStyle/>
+          <a:p>
+            <a:r>
+              <a:rPr lang="zh-CN" altLang="en-US" dirty="0"/>
+              <a:t>随即比特回归拟合正弦函数</a:t>
+            </a:r>
+          </a:p>
+        </p:txBody>
+      </p:sp>
+      <p:pic>
+        <p:nvPicPr>
+          <p:cNvPr id="12" name="图片 11">
+            <a:extLst>
+              <a:ext uri="{FF2B5EF4-FFF2-40B4-BE49-F238E27FC236}">
+                <a16:creationId xmlns:a16="http://schemas.microsoft.com/office/drawing/2014/main" id="{B78BEC66-1EBA-4B8F-97B9-0301BB1D8BE9}"/>
+              </a:ext>
+            </a:extLst>
+          </p:cNvPr>
+          <p:cNvPicPr>
+            <a:picLocks noChangeAspect="1"/>
+          </p:cNvPicPr>
+          <p:nvPr/>
+        </p:nvPicPr>
+        <p:blipFill>
+          <a:blip r:embed="rId2"/>
+          <a:stretch>
+            <a:fillRect/>
+          </a:stretch>
+        </p:blipFill>
+        <p:spPr>
+          <a:xfrm>
+            <a:off x="677334" y="1793212"/>
+            <a:ext cx="5667375" cy="4248150"/>
+          </a:xfrm>
+          <a:prstGeom prst="rect">
+            <a:avLst/>
+          </a:prstGeom>
+        </p:spPr>
+      </p:pic>
+    </p:spTree>
+    <p:extLst>
+      <p:ext uri="{BB962C8B-B14F-4D97-AF65-F5344CB8AC3E}">
+        <p14:creationId xmlns:p14="http://schemas.microsoft.com/office/powerpoint/2010/main" val="2800557165"/>
+      </p:ext>
+    </p:extLst>
+  </p:cSld>
+  <p:clrMapOvr>
+    <a:masterClrMapping/>
+  </p:clrMapOvr>
+</p:sld>
+</file>
+
+<file path=ppt/slides/slide17.xml><?xml version="1.0" encoding="utf-8"?>
+<p:sld xmlns:a="http://schemas.openxmlformats.org/drawingml/2006/main" xmlns:r="http://schemas.openxmlformats.org/officeDocument/2006/relationships" xmlns:p="http://schemas.openxmlformats.org/presentationml/2006/main">
+  <p:cSld>
+    <p:spTree>
+      <p:nvGrpSpPr>
+        <p:cNvPr id="1" name=""/>
+        <p:cNvGrpSpPr/>
+        <p:nvPr/>
+      </p:nvGrpSpPr>
+      <p:grpSpPr>
+        <a:xfrm>
+          <a:off x="0" y="0"/>
+          <a:ext cx="0" cy="0"/>
+          <a:chOff x="0" y="0"/>
+          <a:chExt cx="0" cy="0"/>
+        </a:xfrm>
+      </p:grpSpPr>
+      <p:sp>
+        <p:nvSpPr>
+          <p:cNvPr id="2" name="标题 1">
+            <a:extLst>
+              <a:ext uri="{FF2B5EF4-FFF2-40B4-BE49-F238E27FC236}">
                 <a16:creationId xmlns:a16="http://schemas.microsoft.com/office/drawing/2014/main" id="{C01BCFAE-7B3B-4E78-A5D3-EF9AF7CD1EE2}"/>
               </a:ext>
             </a:extLst>
@@ -7125,7 +7265,7 @@
 </p:sld>
 </file>
 
-<file path=ppt/slides/slide17.xml><?xml version="1.0" encoding="utf-8"?>
+<file path=ppt/slides/slide18.xml><?xml version="1.0" encoding="utf-8"?>
 <p:sld xmlns:a="http://schemas.openxmlformats.org/drawingml/2006/main" xmlns:r="http://schemas.openxmlformats.org/officeDocument/2006/relationships" xmlns:p="http://schemas.openxmlformats.org/presentationml/2006/main">
   <p:cSld>
     <p:spTree>
@@ -7217,7 +7357,7 @@
 </p:sld>
 </file>
 
-<file path=ppt/slides/slide18.xml><?xml version="1.0" encoding="utf-8"?>
+<file path=ppt/slides/slide19.xml><?xml version="1.0" encoding="utf-8"?>
 <p:sld xmlns:a="http://schemas.openxmlformats.org/drawingml/2006/main" xmlns:r="http://schemas.openxmlformats.org/officeDocument/2006/relationships" xmlns:p="http://schemas.openxmlformats.org/presentationml/2006/main">
   <p:cSld>
     <p:spTree>
@@ -7278,7 +7418,12 @@
             <p:ph idx="1"/>
           </p:nvPr>
         </p:nvSpPr>
-        <p:spPr/>
+        <p:spPr>
+          <a:xfrm>
+            <a:off x="677334" y="1346856"/>
+            <a:ext cx="8596668" cy="3880773"/>
+          </a:xfrm>
+        </p:spPr>
         <p:txBody>
           <a:bodyPr>
             <a:normAutofit/>
@@ -7286,15 +7431,21 @@
           <a:lstStyle/>
           <a:p>
             <a:r>
-              <a:rPr lang="zh-CN" altLang="en-US" sz="2400"/>
+              <a:rPr lang="en-US" altLang="zh-CN" sz="2400" dirty="0"/>
+              <a:t>http://archive.ics.uci.edu/ml/machine-learning-databases/00381/PRSA_data_2010.1.1-2014.12.31.csv</a:t>
+            </a:r>
+          </a:p>
+          <a:p>
+            <a:r>
+              <a:rPr lang="zh-CN" altLang="en-US" sz="2400" dirty="0"/>
               <a:t>给定一个数据，使用</a:t>
             </a:r>
             <a:r>
-              <a:rPr lang="en-US" altLang="zh-CN" sz="2400"/>
+              <a:rPr lang="en-US" altLang="zh-CN" sz="2400" dirty="0"/>
               <a:t>1,x,x^p,exp(x),log(x),sqrt(x),sin(x),cos(x)</a:t>
             </a:r>
             <a:r>
-              <a:rPr lang="zh-CN" altLang="en-US" sz="2400"/>
+              <a:rPr lang="zh-CN" altLang="en-US" sz="2400" dirty="0"/>
               <a:t>等基函数进行“科学拟合”，并输出拟合系数和图像。</a:t>
             </a:r>
           </a:p>
@@ -7316,7 +7467,7 @@
             </p:nvSpPr>
             <p:spPr>
               <a:xfrm>
-                <a:off x="1256306" y="3940541"/>
+                <a:off x="1138860" y="3405596"/>
                 <a:ext cx="1385139" cy="276999"/>
               </a:xfrm>
               <a:prstGeom prst="rect">
@@ -7420,10 +7571,10 @@
                   </m:oMath>
                 </a14:m>
                 <a:r>
-                  <a:rPr lang="en-US" altLang="zh-CN"/>
+                  <a:rPr lang="en-US" altLang="zh-CN" dirty="0"/>
                   <a:t>Y</a:t>
                 </a:r>
-                <a:endParaRPr lang="zh-CN" altLang="en-US"/>
+                <a:endParaRPr lang="zh-CN" altLang="en-US" dirty="0"/>
               </a:p>
             </p:txBody>
           </p:sp>
@@ -7445,7 +7596,7 @@
             </p:nvSpPr>
             <p:spPr>
               <a:xfrm>
-                <a:off x="1256306" y="3940541"/>
+                <a:off x="1138860" y="3405596"/>
                 <a:ext cx="1385139" cy="276999"/>
               </a:xfrm>
               <a:prstGeom prst="rect">
@@ -7454,7 +7605,7 @@
               <a:blipFill>
                 <a:blip r:embed="rId2"/>
                 <a:stretch>
-                  <a:fillRect l="-7930" t="-30435" r="-6167" b="-47826"/>
+                  <a:fillRect l="-7930" t="-31111" r="-5727" b="-48889"/>
                 </a:stretch>
               </a:blipFill>
             </p:spPr>
@@ -7473,105 +7624,12 @@
           </p:sp>
         </mc:Fallback>
       </mc:AlternateContent>
-    </p:spTree>
-    <p:extLst>
-      <p:ext uri="{BB962C8B-B14F-4D97-AF65-F5344CB8AC3E}">
-        <p14:creationId xmlns:p14="http://schemas.microsoft.com/office/powerpoint/2010/main" val="1690213316"/>
-      </p:ext>
-    </p:extLst>
-  </p:cSld>
-  <p:clrMapOvr>
-    <a:masterClrMapping/>
-  </p:clrMapOvr>
-</p:sld>
-</file>
-
-<file path=ppt/slides/slide19.xml><?xml version="1.0" encoding="utf-8"?>
-<p:sld xmlns:a="http://schemas.openxmlformats.org/drawingml/2006/main" xmlns:r="http://schemas.openxmlformats.org/officeDocument/2006/relationships" xmlns:p="http://schemas.openxmlformats.org/presentationml/2006/main">
-  <p:cSld>
-    <p:spTree>
-      <p:nvGrpSpPr>
-        <p:cNvPr id="1" name=""/>
-        <p:cNvGrpSpPr/>
-        <p:nvPr/>
-      </p:nvGrpSpPr>
-      <p:grpSpPr>
-        <a:xfrm>
-          <a:off x="0" y="0"/>
-          <a:ext cx="0" cy="0"/>
-          <a:chOff x="0" y="0"/>
-          <a:chExt cx="0" cy="0"/>
-        </a:xfrm>
-      </p:grpSpPr>
-      <p:sp>
-        <p:nvSpPr>
-          <p:cNvPr id="2" name="标题 1">
+      <p:pic>
+        <p:nvPicPr>
+          <p:cNvPr id="6" name="图片 5">
             <a:extLst>
               <a:ext uri="{FF2B5EF4-FFF2-40B4-BE49-F238E27FC236}">
-                <a16:creationId xmlns:a16="http://schemas.microsoft.com/office/drawing/2014/main" id="{E39550B6-B733-485B-9714-D190B8266F12}"/>
-              </a:ext>
-            </a:extLst>
-          </p:cNvPr>
-          <p:cNvSpPr>
-            <a:spLocks noGrp="1"/>
-          </p:cNvSpPr>
-          <p:nvPr>
-            <p:ph type="title"/>
-          </p:nvPr>
-        </p:nvSpPr>
-        <p:spPr/>
-        <p:txBody>
-          <a:bodyPr/>
-          <a:lstStyle/>
-          <a:p>
-            <a:r>
-              <a:rPr lang="zh-CN" altLang="en-US"/>
-              <a:t>核平滑</a:t>
-            </a:r>
-            <a:r>
-              <a:rPr lang="en-US" altLang="zh-CN"/>
-              <a:t>Kenel Smoothing</a:t>
-            </a:r>
-            <a:endParaRPr lang="zh-CN" altLang="en-US"/>
-          </a:p>
-        </p:txBody>
-      </p:sp>
-      <p:pic>
-        <p:nvPicPr>
-          <p:cNvPr id="4" name="图片 3">
-            <a:extLst>
-              <a:ext uri="{FF2B5EF4-FFF2-40B4-BE49-F238E27FC236}">
-                <a16:creationId xmlns:a16="http://schemas.microsoft.com/office/drawing/2014/main" id="{B3D6B37E-5A2E-47F9-A7B5-514567F88187}"/>
-              </a:ext>
-            </a:extLst>
-          </p:cNvPr>
-          <p:cNvPicPr>
-            <a:picLocks noChangeAspect="1"/>
-          </p:cNvPicPr>
-          <p:nvPr/>
-        </p:nvPicPr>
-        <p:blipFill>
-          <a:blip r:embed="rId2"/>
-          <a:stretch>
-            <a:fillRect/>
-          </a:stretch>
-        </p:blipFill>
-        <p:spPr>
-          <a:xfrm>
-            <a:off x="1055658" y="4001495"/>
-            <a:ext cx="2733675" cy="800100"/>
-          </a:xfrm>
-          <a:prstGeom prst="rect">
-            <a:avLst/>
-          </a:prstGeom>
-        </p:spPr>
-      </p:pic>
-      <p:pic>
-        <p:nvPicPr>
-          <p:cNvPr id="5" name="图片 4">
-            <a:extLst>
-              <a:ext uri="{FF2B5EF4-FFF2-40B4-BE49-F238E27FC236}">
-                <a16:creationId xmlns:a16="http://schemas.microsoft.com/office/drawing/2014/main" id="{1B6B420C-4C92-4A66-882A-D4838CD0E37F}"/>
+                <a16:creationId xmlns:a16="http://schemas.microsoft.com/office/drawing/2014/main" id="{28910830-C696-4C53-ABDE-45003ABFA206}"/>
               </a:ext>
             </a:extLst>
           </p:cNvPr>
@@ -7588,68 +7646,8 @@
         </p:blipFill>
         <p:spPr>
           <a:xfrm>
-            <a:off x="956558" y="1952332"/>
-            <a:ext cx="2152650" cy="790575"/>
-          </a:xfrm>
-          <a:prstGeom prst="rect">
-            <a:avLst/>
-          </a:prstGeom>
-        </p:spPr>
-      </p:pic>
-      <p:pic>
-        <p:nvPicPr>
-          <p:cNvPr id="6" name="图片 5">
-            <a:extLst>
-              <a:ext uri="{FF2B5EF4-FFF2-40B4-BE49-F238E27FC236}">
-                <a16:creationId xmlns:a16="http://schemas.microsoft.com/office/drawing/2014/main" id="{C1F5E4F4-61AE-412F-8A9D-EB197C57AC1B}"/>
-              </a:ext>
-            </a:extLst>
-          </p:cNvPr>
-          <p:cNvPicPr>
-            <a:picLocks noChangeAspect="1"/>
-          </p:cNvPicPr>
-          <p:nvPr/>
-        </p:nvPicPr>
-        <p:blipFill>
-          <a:blip r:embed="rId4"/>
-          <a:stretch>
-            <a:fillRect/>
-          </a:stretch>
-        </p:blipFill>
-        <p:spPr>
-          <a:xfrm>
-            <a:off x="6219494" y="3148178"/>
-            <a:ext cx="3028950" cy="2581275"/>
-          </a:xfrm>
-          <a:prstGeom prst="rect">
-            <a:avLst/>
-          </a:prstGeom>
-        </p:spPr>
-      </p:pic>
-      <p:pic>
-        <p:nvPicPr>
-          <p:cNvPr id="7" name="图片 6">
-            <a:extLst>
-              <a:ext uri="{FF2B5EF4-FFF2-40B4-BE49-F238E27FC236}">
-                <a16:creationId xmlns:a16="http://schemas.microsoft.com/office/drawing/2014/main" id="{78A5FDA6-EE38-4BD2-9775-A15D9460822C}"/>
-              </a:ext>
-            </a:extLst>
-          </p:cNvPr>
-          <p:cNvPicPr>
-            <a:picLocks noChangeAspect="1"/>
-          </p:cNvPicPr>
-          <p:nvPr/>
-        </p:nvPicPr>
-        <p:blipFill>
-          <a:blip r:embed="rId5"/>
-          <a:stretch>
-            <a:fillRect/>
-          </a:stretch>
-        </p:blipFill>
-        <p:spPr>
-          <a:xfrm>
-            <a:off x="5999052" y="2683524"/>
-            <a:ext cx="3724275" cy="409575"/>
+            <a:off x="773753" y="3605216"/>
+            <a:ext cx="9134475" cy="3105150"/>
           </a:xfrm>
           <a:prstGeom prst="rect">
             <a:avLst/>
@@ -7659,7 +7657,7 @@
     </p:spTree>
     <p:extLst>
       <p:ext uri="{BB962C8B-B14F-4D97-AF65-F5344CB8AC3E}">
-        <p14:creationId xmlns:p14="http://schemas.microsoft.com/office/powerpoint/2010/main" val="1602604612"/>
+        <p14:creationId xmlns:p14="http://schemas.microsoft.com/office/powerpoint/2010/main" val="1690213316"/>
       </p:ext>
     </p:extLst>
   </p:cSld>
@@ -8241,6 +8239,219 @@
           <a:chExt cx="0" cy="0"/>
         </a:xfrm>
       </p:grpSpPr>
+      <p:sp>
+        <p:nvSpPr>
+          <p:cNvPr id="2" name="标题 1">
+            <a:extLst>
+              <a:ext uri="{FF2B5EF4-FFF2-40B4-BE49-F238E27FC236}">
+                <a16:creationId xmlns:a16="http://schemas.microsoft.com/office/drawing/2014/main" id="{E39550B6-B733-485B-9714-D190B8266F12}"/>
+              </a:ext>
+            </a:extLst>
+          </p:cNvPr>
+          <p:cNvSpPr>
+            <a:spLocks noGrp="1"/>
+          </p:cNvSpPr>
+          <p:nvPr>
+            <p:ph type="title"/>
+          </p:nvPr>
+        </p:nvSpPr>
+        <p:spPr/>
+        <p:txBody>
+          <a:bodyPr/>
+          <a:lstStyle/>
+          <a:p>
+            <a:r>
+              <a:rPr lang="zh-CN" altLang="en-US"/>
+              <a:t>核平滑</a:t>
+            </a:r>
+            <a:r>
+              <a:rPr lang="en-US" altLang="zh-CN"/>
+              <a:t>Kenel Smoothing</a:t>
+            </a:r>
+            <a:endParaRPr lang="zh-CN" altLang="en-US"/>
+          </a:p>
+        </p:txBody>
+      </p:sp>
+      <p:pic>
+        <p:nvPicPr>
+          <p:cNvPr id="4" name="图片 3">
+            <a:extLst>
+              <a:ext uri="{FF2B5EF4-FFF2-40B4-BE49-F238E27FC236}">
+                <a16:creationId xmlns:a16="http://schemas.microsoft.com/office/drawing/2014/main" id="{B3D6B37E-5A2E-47F9-A7B5-514567F88187}"/>
+              </a:ext>
+            </a:extLst>
+          </p:cNvPr>
+          <p:cNvPicPr>
+            <a:picLocks noChangeAspect="1"/>
+          </p:cNvPicPr>
+          <p:nvPr/>
+        </p:nvPicPr>
+        <p:blipFill>
+          <a:blip r:embed="rId2"/>
+          <a:stretch>
+            <a:fillRect/>
+          </a:stretch>
+        </p:blipFill>
+        <p:spPr>
+          <a:xfrm>
+            <a:off x="956558" y="4749801"/>
+            <a:ext cx="2733675" cy="800100"/>
+          </a:xfrm>
+          <a:prstGeom prst="rect">
+            <a:avLst/>
+          </a:prstGeom>
+        </p:spPr>
+      </p:pic>
+      <p:pic>
+        <p:nvPicPr>
+          <p:cNvPr id="5" name="图片 4">
+            <a:extLst>
+              <a:ext uri="{FF2B5EF4-FFF2-40B4-BE49-F238E27FC236}">
+                <a16:creationId xmlns:a16="http://schemas.microsoft.com/office/drawing/2014/main" id="{1B6B420C-4C92-4A66-882A-D4838CD0E37F}"/>
+              </a:ext>
+            </a:extLst>
+          </p:cNvPr>
+          <p:cNvPicPr>
+            <a:picLocks noChangeAspect="1"/>
+          </p:cNvPicPr>
+          <p:nvPr/>
+        </p:nvPicPr>
+        <p:blipFill>
+          <a:blip r:embed="rId3"/>
+          <a:stretch>
+            <a:fillRect/>
+          </a:stretch>
+        </p:blipFill>
+        <p:spPr>
+          <a:xfrm>
+            <a:off x="956558" y="1952332"/>
+            <a:ext cx="2152650" cy="790575"/>
+          </a:xfrm>
+          <a:prstGeom prst="rect">
+            <a:avLst/>
+          </a:prstGeom>
+        </p:spPr>
+      </p:pic>
+      <p:pic>
+        <p:nvPicPr>
+          <p:cNvPr id="6" name="图片 5">
+            <a:extLst>
+              <a:ext uri="{FF2B5EF4-FFF2-40B4-BE49-F238E27FC236}">
+                <a16:creationId xmlns:a16="http://schemas.microsoft.com/office/drawing/2014/main" id="{C1F5E4F4-61AE-412F-8A9D-EB197C57AC1B}"/>
+              </a:ext>
+            </a:extLst>
+          </p:cNvPr>
+          <p:cNvPicPr>
+            <a:picLocks noChangeAspect="1"/>
+          </p:cNvPicPr>
+          <p:nvPr/>
+        </p:nvPicPr>
+        <p:blipFill>
+          <a:blip r:embed="rId4"/>
+          <a:stretch>
+            <a:fillRect/>
+          </a:stretch>
+        </p:blipFill>
+        <p:spPr>
+          <a:xfrm>
+            <a:off x="7108727" y="2921676"/>
+            <a:ext cx="3028950" cy="2581275"/>
+          </a:xfrm>
+          <a:prstGeom prst="rect">
+            <a:avLst/>
+          </a:prstGeom>
+        </p:spPr>
+      </p:pic>
+      <p:pic>
+        <p:nvPicPr>
+          <p:cNvPr id="7" name="图片 6">
+            <a:extLst>
+              <a:ext uri="{FF2B5EF4-FFF2-40B4-BE49-F238E27FC236}">
+                <a16:creationId xmlns:a16="http://schemas.microsoft.com/office/drawing/2014/main" id="{78A5FDA6-EE38-4BD2-9775-A15D9460822C}"/>
+              </a:ext>
+            </a:extLst>
+          </p:cNvPr>
+          <p:cNvPicPr>
+            <a:picLocks noChangeAspect="1"/>
+          </p:cNvPicPr>
+          <p:nvPr/>
+        </p:nvPicPr>
+        <p:blipFill>
+          <a:blip r:embed="rId5"/>
+          <a:stretch>
+            <a:fillRect/>
+          </a:stretch>
+        </p:blipFill>
+        <p:spPr>
+          <a:xfrm>
+            <a:off x="6523392" y="1450699"/>
+            <a:ext cx="3724275" cy="409575"/>
+          </a:xfrm>
+          <a:prstGeom prst="rect">
+            <a:avLst/>
+          </a:prstGeom>
+        </p:spPr>
+      </p:pic>
+      <p:pic>
+        <p:nvPicPr>
+          <p:cNvPr id="8" name="图片 7">
+            <a:extLst>
+              <a:ext uri="{FF2B5EF4-FFF2-40B4-BE49-F238E27FC236}">
+                <a16:creationId xmlns:a16="http://schemas.microsoft.com/office/drawing/2014/main" id="{3A83FC82-864E-41AB-A6AD-219C5AE8417A}"/>
+              </a:ext>
+            </a:extLst>
+          </p:cNvPr>
+          <p:cNvPicPr>
+            <a:picLocks noChangeAspect="1"/>
+          </p:cNvPicPr>
+          <p:nvPr/>
+        </p:nvPicPr>
+        <p:blipFill>
+          <a:blip r:embed="rId6"/>
+          <a:stretch>
+            <a:fillRect/>
+          </a:stretch>
+        </p:blipFill>
+        <p:spPr>
+          <a:xfrm>
+            <a:off x="3455500" y="1952332"/>
+            <a:ext cx="3255548" cy="2975269"/>
+          </a:xfrm>
+          <a:prstGeom prst="rect">
+            <a:avLst/>
+          </a:prstGeom>
+        </p:spPr>
+      </p:pic>
+    </p:spTree>
+    <p:extLst>
+      <p:ext uri="{BB962C8B-B14F-4D97-AF65-F5344CB8AC3E}">
+        <p14:creationId xmlns:p14="http://schemas.microsoft.com/office/powerpoint/2010/main" val="1602604612"/>
+      </p:ext>
+    </p:extLst>
+  </p:cSld>
+  <p:clrMapOvr>
+    <a:masterClrMapping/>
+  </p:clrMapOvr>
+</p:sld>
+</file>
+
+<file path=ppt/slides/slide21.xml><?xml version="1.0" encoding="utf-8"?>
+<p:sld xmlns:a="http://schemas.openxmlformats.org/drawingml/2006/main" xmlns:r="http://schemas.openxmlformats.org/officeDocument/2006/relationships" xmlns:p="http://schemas.openxmlformats.org/presentationml/2006/main">
+  <p:cSld>
+    <p:spTree>
+      <p:nvGrpSpPr>
+        <p:cNvPr id="1" name=""/>
+        <p:cNvGrpSpPr/>
+        <p:nvPr/>
+      </p:nvGrpSpPr>
+      <p:grpSpPr>
+        <a:xfrm>
+          <a:off x="0" y="0"/>
+          <a:ext cx="0" cy="0"/>
+          <a:chOff x="0" y="0"/>
+          <a:chExt cx="0" cy="0"/>
+        </a:xfrm>
+      </p:grpSpPr>
       <p:graphicFrame>
         <p:nvGraphicFramePr>
           <p:cNvPr id="8194" name="Object 2">
@@ -8263,7 +8474,7 @@
           <a:graphicData uri="http://schemas.openxmlformats.org/presentationml/2006/ole">
             <mc:AlternateContent xmlns:mc="http://schemas.openxmlformats.org/markup-compatibility/2006">
               <mc:Choice xmlns:v="urn:schemas-microsoft-com:vml" Requires="v">
-                <p:oleObj spid="_x0000_s3074" name="Equation" r:id="rId3" imgW="3606480" imgH="2361960" progId="Equation.3">
+                <p:oleObj spid="_x0000_s3084" name="Equation" r:id="rId3" imgW="3606480" imgH="2361960" progId="Equation.3">
                   <p:embed/>
                 </p:oleObj>
               </mc:Choice>
@@ -8444,7 +8655,7 @@
 </p:sld>
 </file>
 
-<file path=ppt/slides/slide21.xml><?xml version="1.0" encoding="utf-8"?>
+<file path=ppt/slides/slide22.xml><?xml version="1.0" encoding="utf-8"?>
 <p:sld xmlns:a="http://schemas.openxmlformats.org/drawingml/2006/main" xmlns:r="http://schemas.openxmlformats.org/officeDocument/2006/relationships" xmlns:p="http://schemas.openxmlformats.org/presentationml/2006/main">
   <p:cSld>
     <p:spTree>
@@ -8536,7 +8747,7 @@
 </p:sld>
 </file>
 
-<file path=ppt/slides/slide22.xml><?xml version="1.0" encoding="utf-8"?>
+<file path=ppt/slides/slide23.xml><?xml version="1.0" encoding="utf-8"?>
 <p:sld xmlns:a="http://schemas.openxmlformats.org/drawingml/2006/main" xmlns:r="http://schemas.openxmlformats.org/officeDocument/2006/relationships" xmlns:p="http://schemas.openxmlformats.org/presentationml/2006/main">
   <p:cSld>
     <p:spTree>
@@ -8649,7 +8860,7 @@
 </p:sld>
 </file>
 
-<file path=ppt/slides/slide23.xml><?xml version="1.0" encoding="utf-8"?>
+<file path=ppt/slides/slide24.xml><?xml version="1.0" encoding="utf-8"?>
 <p:sld xmlns:a="http://schemas.openxmlformats.org/drawingml/2006/main" xmlns:r="http://schemas.openxmlformats.org/officeDocument/2006/relationships" xmlns:p="http://schemas.openxmlformats.org/presentationml/2006/main">
   <p:cSld>
     <p:spTree>
@@ -8762,7 +8973,7 @@
 </p:sld>
 </file>
 
-<file path=ppt/slides/slide24.xml><?xml version="1.0" encoding="utf-8"?>
+<file path=ppt/slides/slide25.xml><?xml version="1.0" encoding="utf-8"?>
 <p:sld xmlns:a="http://schemas.openxmlformats.org/drawingml/2006/main" xmlns:r="http://schemas.openxmlformats.org/officeDocument/2006/relationships" xmlns:p="http://schemas.openxmlformats.org/presentationml/2006/main">
   <p:cSld>
     <p:spTree>
@@ -8850,7 +9061,7 @@
 </p:sld>
 </file>
 
-<file path=ppt/slides/slide25.xml><?xml version="1.0" encoding="utf-8"?>
+<file path=ppt/slides/slide26.xml><?xml version="1.0" encoding="utf-8"?>
 <p:sld xmlns:a="http://schemas.openxmlformats.org/drawingml/2006/main" xmlns:r="http://schemas.openxmlformats.org/officeDocument/2006/relationships" xmlns:p="http://schemas.openxmlformats.org/presentationml/2006/main">
   <p:cSld>
     <p:spTree>
@@ -8938,7 +9149,7 @@
 </p:sld>
 </file>
 
-<file path=ppt/slides/slide26.xml><?xml version="1.0" encoding="utf-8"?>
+<file path=ppt/slides/slide27.xml><?xml version="1.0" encoding="utf-8"?>
 <p:sld xmlns:a="http://schemas.openxmlformats.org/drawingml/2006/main" xmlns:r="http://schemas.openxmlformats.org/officeDocument/2006/relationships" xmlns:p="http://schemas.openxmlformats.org/presentationml/2006/main">
   <p:cSld>
     <p:spTree>
@@ -9086,7 +9297,7 @@
 </p:sld>
 </file>
 
-<file path=ppt/slides/slide27.xml><?xml version="1.0" encoding="utf-8"?>
+<file path=ppt/slides/slide28.xml><?xml version="1.0" encoding="utf-8"?>
 <p:sld xmlns:a="http://schemas.openxmlformats.org/drawingml/2006/main" xmlns:r="http://schemas.openxmlformats.org/officeDocument/2006/relationships" xmlns:p="http://schemas.openxmlformats.org/presentationml/2006/main">
   <p:cSld>
     <p:spTree>
@@ -9243,7 +9454,7 @@
 </p:sld>
 </file>
 
-<file path=ppt/slides/slide28.xml><?xml version="1.0" encoding="utf-8"?>
+<file path=ppt/slides/slide29.xml><?xml version="1.0" encoding="utf-8"?>
 <p:sld xmlns:a="http://schemas.openxmlformats.org/drawingml/2006/main" xmlns:r="http://schemas.openxmlformats.org/officeDocument/2006/relationships" xmlns:p="http://schemas.openxmlformats.org/presentationml/2006/main">
   <p:cSld>
     <p:spTree>
@@ -9317,7 +9528,7 @@
           <a:graphicData uri="http://schemas.openxmlformats.org/presentationml/2006/ole">
             <mc:AlternateContent xmlns:mc="http://schemas.openxmlformats.org/markup-compatibility/2006">
               <mc:Choice xmlns:v="urn:schemas-microsoft-com:vml" Requires="v">
-                <p:oleObj spid="_x0000_s4098" name="Equation" r:id="rId3" imgW="4241520" imgH="2133360" progId="Equation.3">
+                <p:oleObj spid="_x0000_s4108" name="Equation" r:id="rId3" imgW="4241520" imgH="2133360" progId="Equation.3">
                   <p:embed/>
                 </p:oleObj>
               </mc:Choice>
@@ -9413,111 +9624,6 @@
 </p:sld>
 </file>
 
-<file path=ppt/slides/slide29.xml><?xml version="1.0" encoding="utf-8"?>
-<p:sld xmlns:a="http://schemas.openxmlformats.org/drawingml/2006/main" xmlns:r="http://schemas.openxmlformats.org/officeDocument/2006/relationships" xmlns:p="http://schemas.openxmlformats.org/presentationml/2006/main">
-  <p:cSld>
-    <p:spTree>
-      <p:nvGrpSpPr>
-        <p:cNvPr id="1" name=""/>
-        <p:cNvGrpSpPr/>
-        <p:nvPr/>
-      </p:nvGrpSpPr>
-      <p:grpSpPr>
-        <a:xfrm>
-          <a:off x="0" y="0"/>
-          <a:ext cx="0" cy="0"/>
-          <a:chOff x="0" y="0"/>
-          <a:chExt cx="0" cy="0"/>
-        </a:xfrm>
-      </p:grpSpPr>
-      <p:sp>
-        <p:nvSpPr>
-          <p:cNvPr id="2" name="标题 1">
-            <a:extLst>
-              <a:ext uri="{FF2B5EF4-FFF2-40B4-BE49-F238E27FC236}">
-                <a16:creationId xmlns:a16="http://schemas.microsoft.com/office/drawing/2014/main" id="{6DB95F5C-FC28-4E3D-A7A4-602B5B581AAE}"/>
-              </a:ext>
-            </a:extLst>
-          </p:cNvPr>
-          <p:cNvSpPr>
-            <a:spLocks noGrp="1"/>
-          </p:cNvSpPr>
-          <p:nvPr>
-            <p:ph type="title"/>
-          </p:nvPr>
-        </p:nvSpPr>
-        <p:spPr/>
-        <p:txBody>
-          <a:bodyPr/>
-          <a:lstStyle/>
-          <a:p>
-            <a:r>
-              <a:rPr lang="zh-CN" altLang="en-US"/>
-              <a:t>概率密度估计</a:t>
-            </a:r>
-          </a:p>
-        </p:txBody>
-      </p:sp>
-      <p:pic>
-        <p:nvPicPr>
-          <p:cNvPr id="4" name="Picture 4" descr="lect3fig0">
-            <a:extLst>
-              <a:ext uri="{FF2B5EF4-FFF2-40B4-BE49-F238E27FC236}">
-                <a16:creationId xmlns:a16="http://schemas.microsoft.com/office/drawing/2014/main" id="{2E4BC021-0BF0-4B61-96A5-10116DDCB9CC}"/>
-              </a:ext>
-            </a:extLst>
-          </p:cNvPr>
-          <p:cNvPicPr>
-            <a:picLocks noChangeAspect="1" noChangeArrowheads="1"/>
-          </p:cNvPicPr>
-          <p:nvPr/>
-        </p:nvPicPr>
-        <p:blipFill>
-          <a:blip r:embed="rId2">
-            <a:extLst>
-              <a:ext uri="{28A0092B-C50C-407E-A947-70E740481C1C}">
-                <a14:useLocalDpi xmlns:a14="http://schemas.microsoft.com/office/drawing/2010/main" val="0"/>
-              </a:ext>
-            </a:extLst>
-          </a:blip>
-          <a:srcRect/>
-          <a:stretch>
-            <a:fillRect/>
-          </a:stretch>
-        </p:blipFill>
-        <p:spPr bwMode="auto">
-          <a:xfrm>
-            <a:off x="1600200" y="2057400"/>
-            <a:ext cx="5943600" cy="3829050"/>
-          </a:xfrm>
-          <a:prstGeom prst="rect">
-            <a:avLst/>
-          </a:prstGeom>
-          <a:noFill/>
-          <a:extLst>
-            <a:ext uri="{909E8E84-426E-40DD-AFC4-6F175D3DCCD1}">
-              <a14:hiddenFill xmlns:a14="http://schemas.microsoft.com/office/drawing/2010/main">
-                <a:solidFill>
-                  <a:srgbClr val="FFFFFF"/>
-                </a:solidFill>
-              </a14:hiddenFill>
-            </a:ext>
-          </a:extLst>
-        </p:spPr>
-      </p:pic>
-    </p:spTree>
-    <p:extLst>
-      <p:ext uri="{BB962C8B-B14F-4D97-AF65-F5344CB8AC3E}">
-        <p14:creationId xmlns:p14="http://schemas.microsoft.com/office/powerpoint/2010/main" val="2142086143"/>
-      </p:ext>
-    </p:extLst>
-  </p:cSld>
-  <p:clrMapOvr>
-    <a:masterClrMapping/>
-  </p:clrMapOvr>
-</p:sld>
-</file>
-
 <file path=ppt/slides/slide3.xml><?xml version="1.0" encoding="utf-8"?>
 <p:sld xmlns:a="http://schemas.openxmlformats.org/drawingml/2006/main" xmlns:r="http://schemas.openxmlformats.org/officeDocument/2006/relationships" xmlns:p="http://schemas.openxmlformats.org/presentationml/2006/main">
   <p:cSld>
@@ -9727,6 +9833,111 @@
           <p:cNvPr id="2" name="标题 1">
             <a:extLst>
               <a:ext uri="{FF2B5EF4-FFF2-40B4-BE49-F238E27FC236}">
+                <a16:creationId xmlns:a16="http://schemas.microsoft.com/office/drawing/2014/main" id="{6DB95F5C-FC28-4E3D-A7A4-602B5B581AAE}"/>
+              </a:ext>
+            </a:extLst>
+          </p:cNvPr>
+          <p:cNvSpPr>
+            <a:spLocks noGrp="1"/>
+          </p:cNvSpPr>
+          <p:nvPr>
+            <p:ph type="title"/>
+          </p:nvPr>
+        </p:nvSpPr>
+        <p:spPr/>
+        <p:txBody>
+          <a:bodyPr/>
+          <a:lstStyle/>
+          <a:p>
+            <a:r>
+              <a:rPr lang="zh-CN" altLang="en-US"/>
+              <a:t>概率密度估计</a:t>
+            </a:r>
+          </a:p>
+        </p:txBody>
+      </p:sp>
+      <p:pic>
+        <p:nvPicPr>
+          <p:cNvPr id="4" name="Picture 4" descr="lect3fig0">
+            <a:extLst>
+              <a:ext uri="{FF2B5EF4-FFF2-40B4-BE49-F238E27FC236}">
+                <a16:creationId xmlns:a16="http://schemas.microsoft.com/office/drawing/2014/main" id="{2E4BC021-0BF0-4B61-96A5-10116DDCB9CC}"/>
+              </a:ext>
+            </a:extLst>
+          </p:cNvPr>
+          <p:cNvPicPr>
+            <a:picLocks noChangeAspect="1" noChangeArrowheads="1"/>
+          </p:cNvPicPr>
+          <p:nvPr/>
+        </p:nvPicPr>
+        <p:blipFill>
+          <a:blip r:embed="rId2">
+            <a:extLst>
+              <a:ext uri="{28A0092B-C50C-407E-A947-70E740481C1C}">
+                <a14:useLocalDpi xmlns:a14="http://schemas.microsoft.com/office/drawing/2010/main" val="0"/>
+              </a:ext>
+            </a:extLst>
+          </a:blip>
+          <a:srcRect/>
+          <a:stretch>
+            <a:fillRect/>
+          </a:stretch>
+        </p:blipFill>
+        <p:spPr bwMode="auto">
+          <a:xfrm>
+            <a:off x="1600200" y="2057400"/>
+            <a:ext cx="5943600" cy="3829050"/>
+          </a:xfrm>
+          <a:prstGeom prst="rect">
+            <a:avLst/>
+          </a:prstGeom>
+          <a:noFill/>
+          <a:extLst>
+            <a:ext uri="{909E8E84-426E-40DD-AFC4-6F175D3DCCD1}">
+              <a14:hiddenFill xmlns:a14="http://schemas.microsoft.com/office/drawing/2010/main">
+                <a:solidFill>
+                  <a:srgbClr val="FFFFFF"/>
+                </a:solidFill>
+              </a14:hiddenFill>
+            </a:ext>
+          </a:extLst>
+        </p:spPr>
+      </p:pic>
+    </p:spTree>
+    <p:extLst>
+      <p:ext uri="{BB962C8B-B14F-4D97-AF65-F5344CB8AC3E}">
+        <p14:creationId xmlns:p14="http://schemas.microsoft.com/office/powerpoint/2010/main" val="2142086143"/>
+      </p:ext>
+    </p:extLst>
+  </p:cSld>
+  <p:clrMapOvr>
+    <a:masterClrMapping/>
+  </p:clrMapOvr>
+</p:sld>
+</file>
+
+<file path=ppt/slides/slide31.xml><?xml version="1.0" encoding="utf-8"?>
+<p:sld xmlns:a="http://schemas.openxmlformats.org/drawingml/2006/main" xmlns:r="http://schemas.openxmlformats.org/officeDocument/2006/relationships" xmlns:p="http://schemas.openxmlformats.org/presentationml/2006/main">
+  <p:cSld>
+    <p:spTree>
+      <p:nvGrpSpPr>
+        <p:cNvPr id="1" name=""/>
+        <p:cNvGrpSpPr/>
+        <p:nvPr/>
+      </p:nvGrpSpPr>
+      <p:grpSpPr>
+        <a:xfrm>
+          <a:off x="0" y="0"/>
+          <a:ext cx="0" cy="0"/>
+          <a:chOff x="0" y="0"/>
+          <a:chExt cx="0" cy="0"/>
+        </a:xfrm>
+      </p:grpSpPr>
+      <p:sp>
+        <p:nvSpPr>
+          <p:cNvPr id="2" name="标题 1">
+            <a:extLst>
+              <a:ext uri="{FF2B5EF4-FFF2-40B4-BE49-F238E27FC236}">
                 <a16:creationId xmlns:a16="http://schemas.microsoft.com/office/drawing/2014/main" id="{F3931CC2-054B-40A8-A46A-760EE0004E93}"/>
               </a:ext>
             </a:extLst>
@@ -9784,8 +9995,8 @@
           </a:prstGeom>
         </p:spPr>
       </p:pic>
-      <mc:AlternateContent xmlns:mc="http://schemas.openxmlformats.org/markup-compatibility/2006">
-        <mc:Choice xmlns:a14="http://schemas.microsoft.com/office/drawing/2010/main" Requires="a14">
+      <mc:AlternateContent xmlns:mc="http://schemas.openxmlformats.org/markup-compatibility/2006" xmlns:a14="http://schemas.microsoft.com/office/drawing/2010/main">
+        <mc:Choice Requires="a14">
           <p:sp>
             <p:nvSpPr>
               <p:cNvPr id="5" name="文本框 4">
@@ -9938,7 +10149,7 @@
             </p:txBody>
           </p:sp>
         </mc:Choice>
-        <mc:Fallback>
+        <mc:Fallback xmlns="">
           <p:sp>
             <p:nvSpPr>
               <p:cNvPr id="5" name="文本框 4">
@@ -10191,8 +10402,8 @@
           </a:prstGeom>
         </p:spPr>
       </p:pic>
-      <mc:AlternateContent xmlns:mc="http://schemas.openxmlformats.org/markup-compatibility/2006">
-        <mc:Choice xmlns:a14="http://schemas.microsoft.com/office/drawing/2010/main" Requires="a14">
+      <mc:AlternateContent xmlns:mc="http://schemas.openxmlformats.org/markup-compatibility/2006" xmlns:a14="http://schemas.microsoft.com/office/drawing/2010/main">
+        <mc:Choice Requires="a14">
           <p:sp>
             <p:nvSpPr>
               <p:cNvPr id="18" name="文本框 17">
@@ -10221,6 +10432,7 @@
               </a:bodyPr>
               <a:lstStyle/>
               <a:p>
+                <a:pPr/>
                 <a14:m>
                   <m:oMathPara xmlns:m="http://schemas.openxmlformats.org/officeDocument/2006/math">
                     <m:oMathParaPr>
@@ -10713,7 +10925,7 @@
             </p:txBody>
           </p:sp>
         </mc:Choice>
-        <mc:Fallback>
+        <mc:Fallback xmlns="">
           <p:sp>
             <p:nvSpPr>
               <p:cNvPr id="18" name="文本框 17">
@@ -10828,8 +11040,8 @@
           </a:p>
         </p:txBody>
       </p:sp>
-      <mc:AlternateContent xmlns:mc="http://schemas.openxmlformats.org/markup-compatibility/2006">
-        <mc:Choice xmlns:a14="http://schemas.microsoft.com/office/drawing/2010/main" Requires="a14">
+      <mc:AlternateContent xmlns:mc="http://schemas.openxmlformats.org/markup-compatibility/2006" xmlns:a14="http://schemas.microsoft.com/office/drawing/2010/main">
+        <mc:Choice Requires="a14">
           <p:sp>
             <p:nvSpPr>
               <p:cNvPr id="28" name="文本框 27">
@@ -10858,6 +11070,7 @@
               </a:bodyPr>
               <a:lstStyle/>
               <a:p>
+                <a:pPr/>
                 <a14:m>
                   <m:oMathPara xmlns:m="http://schemas.openxmlformats.org/officeDocument/2006/math">
                     <m:oMathParaPr>
@@ -11103,7 +11316,7 @@
             </p:txBody>
           </p:sp>
         </mc:Choice>
-        <mc:Fallback>
+        <mc:Fallback xmlns="">
           <p:sp>
             <p:nvSpPr>
               <p:cNvPr id="28" name="文本框 27">
@@ -11148,8 +11361,8 @@
           </p:sp>
         </mc:Fallback>
       </mc:AlternateContent>
-      <mc:AlternateContent xmlns:mc="http://schemas.openxmlformats.org/markup-compatibility/2006">
-        <mc:Choice xmlns:a14="http://schemas.microsoft.com/office/drawing/2010/main" Requires="a14">
+      <mc:AlternateContent xmlns:mc="http://schemas.openxmlformats.org/markup-compatibility/2006" xmlns:a14="http://schemas.microsoft.com/office/drawing/2010/main">
+        <mc:Choice Requires="a14">
           <p:sp>
             <p:nvSpPr>
               <p:cNvPr id="29" name="文本框 28">
@@ -11178,6 +11391,7 @@
               </a:bodyPr>
               <a:lstStyle/>
               <a:p>
+                <a:pPr/>
                 <a14:m>
                   <m:oMathPara xmlns:m="http://schemas.openxmlformats.org/officeDocument/2006/math">
                     <m:oMathParaPr>
@@ -11351,6 +11565,7 @@
                 <a:endParaRPr lang="en-US" altLang="zh-CN"/>
               </a:p>
               <a:p>
+                <a:pPr/>
                 <a14:m>
                   <m:oMathPara xmlns:m="http://schemas.openxmlformats.org/officeDocument/2006/math">
                     <m:oMathParaPr>
@@ -11462,7 +11677,7 @@
             </p:txBody>
           </p:sp>
         </mc:Choice>
-        <mc:Fallback>
+        <mc:Fallback xmlns="">
           <p:sp>
             <p:nvSpPr>
               <p:cNvPr id="29" name="文本框 28">
@@ -11507,54 +11722,6 @@
           </p:sp>
         </mc:Fallback>
       </mc:AlternateContent>
-      <p:sp>
-        <p:nvSpPr>
-          <p:cNvPr id="21" name="文本框 20">
-            <a:extLst>
-              <a:ext uri="{FF2B5EF4-FFF2-40B4-BE49-F238E27FC236}">
-                <a16:creationId xmlns:a16="http://schemas.microsoft.com/office/drawing/2014/main" id="{04B5F5B1-671C-4D71-B93F-47CFD7BB5D58}"/>
-              </a:ext>
-            </a:extLst>
-          </p:cNvPr>
-          <p:cNvSpPr txBox="1"/>
-          <p:nvPr/>
-        </p:nvSpPr>
-        <p:spPr>
-          <a:xfrm>
-            <a:off x="2894275" y="5470498"/>
-            <a:ext cx="4222142" cy="369332"/>
-          </a:xfrm>
-          <a:prstGeom prst="rect">
-            <a:avLst/>
-          </a:prstGeom>
-          <a:noFill/>
-        </p:spPr>
-        <p:txBody>
-          <a:bodyPr wrap="square" rtlCol="0">
-            <a:spAutoFit/>
-          </a:bodyPr>
-          <a:lstStyle/>
-          <a:p>
-            <a:r>
-              <a:rPr lang="zh-CN" altLang="en-US"/>
-              <a:t>我们可以直接指定</a:t>
-            </a:r>
-            <a:r>
-              <a:rPr lang="en-US" altLang="zh-CN"/>
-              <a:t>K</a:t>
-            </a:r>
-            <a:r>
-              <a:rPr lang="zh-CN" altLang="en-US"/>
-              <a:t>，从而隐式的指定</a:t>
-            </a:r>
-            <a:r>
-              <a:rPr lang="az-Cyrl-AZ" altLang="zh-CN"/>
-              <a:t>Ф</a:t>
-            </a:r>
-            <a:endParaRPr lang="zh-CN" altLang="en-US"/>
-          </a:p>
-        </p:txBody>
-      </p:sp>
     </p:spTree>
     <p:extLst>
       <p:ext uri="{BB962C8B-B14F-4D97-AF65-F5344CB8AC3E}">
@@ -11568,7 +11735,349 @@
 </p:sld>
 </file>
 
-<file path=ppt/slides/slide31.xml><?xml version="1.0" encoding="utf-8"?>
+<file path=ppt/slides/slide32.xml><?xml version="1.0" encoding="utf-8"?>
+<p:sld xmlns:a="http://schemas.openxmlformats.org/drawingml/2006/main" xmlns:r="http://schemas.openxmlformats.org/officeDocument/2006/relationships" xmlns:p="http://schemas.openxmlformats.org/presentationml/2006/main">
+  <p:cSld>
+    <p:spTree>
+      <p:nvGrpSpPr>
+        <p:cNvPr id="1" name=""/>
+        <p:cNvGrpSpPr/>
+        <p:nvPr/>
+      </p:nvGrpSpPr>
+      <p:grpSpPr>
+        <a:xfrm>
+          <a:off x="0" y="0"/>
+          <a:ext cx="0" cy="0"/>
+          <a:chOff x="0" y="0"/>
+          <a:chExt cx="0" cy="0"/>
+        </a:xfrm>
+      </p:grpSpPr>
+      <p:sp>
+        <p:nvSpPr>
+          <p:cNvPr id="2" name="标题 1">
+            <a:extLst>
+              <a:ext uri="{FF2B5EF4-FFF2-40B4-BE49-F238E27FC236}">
+                <a16:creationId xmlns:a16="http://schemas.microsoft.com/office/drawing/2014/main" id="{C4C3298E-12FF-4DEA-88F8-30A145F0E601}"/>
+              </a:ext>
+            </a:extLst>
+          </p:cNvPr>
+          <p:cNvSpPr>
+            <a:spLocks noGrp="1"/>
+          </p:cNvSpPr>
+          <p:nvPr>
+            <p:ph type="title"/>
+          </p:nvPr>
+        </p:nvSpPr>
+        <p:spPr/>
+        <p:txBody>
+          <a:bodyPr/>
+          <a:lstStyle/>
+          <a:p>
+            <a:r>
+              <a:rPr lang="zh-CN" altLang="en-US"/>
+              <a:t>从特征到核</a:t>
+            </a:r>
+          </a:p>
+        </p:txBody>
+      </p:sp>
+      <mc:AlternateContent xmlns:mc="http://schemas.openxmlformats.org/markup-compatibility/2006" xmlns:a14="http://schemas.microsoft.com/office/drawing/2010/main">
+        <mc:Choice Requires="a14">
+          <p:sp>
+            <p:nvSpPr>
+              <p:cNvPr id="3" name="内容占位符 2">
+                <a:extLst>
+                  <a:ext uri="{FF2B5EF4-FFF2-40B4-BE49-F238E27FC236}">
+                    <a16:creationId xmlns:a16="http://schemas.microsoft.com/office/drawing/2014/main" id="{EA191B2F-908A-4837-870D-26542D13141E}"/>
+                  </a:ext>
+                </a:extLst>
+              </p:cNvPr>
+              <p:cNvSpPr>
+                <a:spLocks noGrp="1"/>
+              </p:cNvSpPr>
+              <p:nvPr>
+                <p:ph idx="1"/>
+              </p:nvPr>
+            </p:nvSpPr>
+            <p:spPr/>
+            <p:txBody>
+              <a:bodyPr>
+                <a:normAutofit lnSpcReduction="10000"/>
+              </a:bodyPr>
+              <a:lstStyle/>
+              <a:p>
+                <a:r>
+                  <a:rPr lang="zh-CN" altLang="en-US" sz="2400"/>
+                  <a:t>特征：</a:t>
+                </a:r>
+                <a:endParaRPr lang="en-US" altLang="zh-CN" sz="2400"/>
+              </a:p>
+              <a:p>
+                <a:pPr lvl="1"/>
+                <a:r>
+                  <a:rPr lang="en-US" altLang="zh-CN" sz="2200"/>
+                  <a:t>A:	</a:t>
+                </a:r>
+                <a:r>
+                  <a:rPr lang="zh-CN" altLang="en-US" sz="2200"/>
+                  <a:t>性别：男</a:t>
+                </a:r>
+                <a:r>
+                  <a:rPr lang="en-US" altLang="zh-CN" sz="2200"/>
+                  <a:t>	</a:t>
+                </a:r>
+                <a:r>
+                  <a:rPr lang="zh-CN" altLang="en-US" sz="2200"/>
+                  <a:t>身高：</a:t>
+                </a:r>
+                <a:r>
+                  <a:rPr lang="en-US" altLang="zh-CN" sz="2200"/>
+                  <a:t>1.70	</a:t>
+                </a:r>
+                <a:r>
+                  <a:rPr lang="zh-CN" altLang="en-US" sz="2200"/>
+                  <a:t>体重：</a:t>
+                </a:r>
+                <a:r>
+                  <a:rPr lang="en-US" altLang="zh-CN" sz="2200"/>
+                  <a:t>70</a:t>
+                </a:r>
+              </a:p>
+              <a:p>
+                <a:pPr lvl="1"/>
+                <a:r>
+                  <a:rPr lang="en-US" altLang="zh-CN" sz="2200"/>
+                  <a:t>B:	</a:t>
+                </a:r>
+                <a:r>
+                  <a:rPr lang="zh-CN" altLang="en-US" sz="2200"/>
+                  <a:t>性别：女</a:t>
+                </a:r>
+                <a:r>
+                  <a:rPr lang="en-US" altLang="zh-CN" sz="2200"/>
+                  <a:t>	</a:t>
+                </a:r>
+                <a:r>
+                  <a:rPr lang="zh-CN" altLang="en-US" sz="2200"/>
+                  <a:t>身高：</a:t>
+                </a:r>
+                <a:r>
+                  <a:rPr lang="en-US" altLang="zh-CN" sz="2200"/>
+                  <a:t>1.60	</a:t>
+                </a:r>
+                <a:r>
+                  <a:rPr lang="zh-CN" altLang="en-US" sz="2200"/>
+                  <a:t>体重：</a:t>
+                </a:r>
+                <a:r>
+                  <a:rPr lang="en-US" altLang="zh-CN" sz="2200"/>
+                  <a:t>50</a:t>
+                </a:r>
+              </a:p>
+              <a:p>
+                <a:pPr lvl="1"/>
+                <a:r>
+                  <a:rPr lang="en-US" altLang="zh-CN" sz="2200"/>
+                  <a:t>C:	</a:t>
+                </a:r>
+                <a:r>
+                  <a:rPr lang="zh-CN" altLang="en-US" sz="2200"/>
+                  <a:t>性别：</a:t>
+                </a:r>
+                <a:r>
+                  <a:rPr lang="en-US" altLang="zh-CN" sz="2200"/>
+                  <a:t>?	</a:t>
+                </a:r>
+                <a:r>
+                  <a:rPr lang="zh-CN" altLang="en-US" sz="2200"/>
+                  <a:t>身高：</a:t>
+                </a:r>
+                <a:r>
+                  <a:rPr lang="en-US" altLang="zh-CN" sz="2200"/>
+                  <a:t>1.71	</a:t>
+                </a:r>
+                <a:r>
+                  <a:rPr lang="zh-CN" altLang="en-US" sz="2200"/>
+                  <a:t>体重：</a:t>
+                </a:r>
+                <a:r>
+                  <a:rPr lang="en-US" altLang="zh-CN" sz="2200"/>
+                  <a:t>65</a:t>
+                </a:r>
+              </a:p>
+              <a:p>
+                <a:pPr lvl="1"/>
+                <a:endParaRPr lang="en-US" altLang="zh-CN" sz="2200"/>
+              </a:p>
+              <a:p>
+                <a:r>
+                  <a:rPr lang="en-US" altLang="zh-CN" sz="2400" i="1">
+                    <a:latin typeface="Cambria Math" panose="02040503050406030204" pitchFamily="18" charset="0"/>
+                  </a:rPr>
+                  <a:t>A	B		C</a:t>
+                </a:r>
+              </a:p>
+              <a:p>
+                <a14:m>
+                  <m:oMath xmlns:m="http://schemas.openxmlformats.org/officeDocument/2006/math">
+                    <m:m>
+                      <m:mPr>
+                        <m:mcs>
+                          <m:mc>
+                            <m:mcPr>
+                              <m:count m:val="3"/>
+                              <m:mcJc m:val="center"/>
+                            </m:mcPr>
+                          </m:mc>
+                        </m:mcs>
+                        <m:ctrlPr>
+                          <a:rPr lang="en-US" altLang="zh-CN" sz="2400" i="1" smtClean="0">
+                            <a:latin typeface="Cambria Math" panose="02040503050406030204" pitchFamily="18" charset="0"/>
+                          </a:rPr>
+                        </m:ctrlPr>
+                      </m:mPr>
+                      <m:mr>
+                        <m:e>
+                          <m:r>
+                            <m:rPr>
+                              <m:brk m:alnAt="7"/>
+                            </m:rPr>
+                            <a:rPr lang="en-US" altLang="zh-CN" sz="2400" b="0" i="1" smtClean="0">
+                              <a:latin typeface="Cambria Math" panose="02040503050406030204" pitchFamily="18" charset="0"/>
+                            </a:rPr>
+                            <m:t>1</m:t>
+                          </m:r>
+                        </m:e>
+                        <m:e>
+                          <m:r>
+                            <a:rPr lang="en-US" altLang="zh-CN" sz="2400" b="0" i="1" smtClean="0">
+                              <a:latin typeface="Cambria Math" panose="02040503050406030204" pitchFamily="18" charset="0"/>
+                            </a:rPr>
+                            <m:t>0.1</m:t>
+                          </m:r>
+                        </m:e>
+                        <m:e>
+                          <m:r>
+                            <a:rPr lang="en-US" altLang="zh-CN" sz="2400" b="0" i="1" smtClean="0">
+                              <a:latin typeface="Cambria Math" panose="02040503050406030204" pitchFamily="18" charset="0"/>
+                            </a:rPr>
+                            <m:t>0.9</m:t>
+                          </m:r>
+                        </m:e>
+                      </m:mr>
+                      <m:mr>
+                        <m:e>
+                          <m:r>
+                            <a:rPr lang="en-US" altLang="zh-CN" sz="2400" b="0" i="1" smtClean="0">
+                              <a:latin typeface="Cambria Math" panose="02040503050406030204" pitchFamily="18" charset="0"/>
+                            </a:rPr>
+                            <m:t>0.1</m:t>
+                          </m:r>
+                        </m:e>
+                        <m:e>
+                          <m:r>
+                            <a:rPr lang="en-US" altLang="zh-CN" sz="2400" b="0" i="1" smtClean="0">
+                              <a:latin typeface="Cambria Math" panose="02040503050406030204" pitchFamily="18" charset="0"/>
+                            </a:rPr>
+                            <m:t>1</m:t>
+                          </m:r>
+                        </m:e>
+                        <m:e>
+                          <m:r>
+                            <a:rPr lang="en-US" altLang="zh-CN" sz="2400" b="0" i="1" smtClean="0">
+                              <a:latin typeface="Cambria Math" panose="02040503050406030204" pitchFamily="18" charset="0"/>
+                            </a:rPr>
+                            <m:t>0.1</m:t>
+                          </m:r>
+                        </m:e>
+                      </m:mr>
+                      <m:mr>
+                        <m:e>
+                          <m:r>
+                            <a:rPr lang="en-US" altLang="zh-CN" sz="2400" b="0" i="1" smtClean="0">
+                              <a:latin typeface="Cambria Math" panose="02040503050406030204" pitchFamily="18" charset="0"/>
+                            </a:rPr>
+                            <m:t>0.9</m:t>
+                          </m:r>
+                        </m:e>
+                        <m:e>
+                          <m:r>
+                            <a:rPr lang="en-US" altLang="zh-CN" sz="2400" b="0" i="1" smtClean="0">
+                              <a:latin typeface="Cambria Math" panose="02040503050406030204" pitchFamily="18" charset="0"/>
+                            </a:rPr>
+                            <m:t>0.1</m:t>
+                          </m:r>
+                        </m:e>
+                        <m:e>
+                          <m:r>
+                            <a:rPr lang="en-US" altLang="zh-CN" sz="2400" b="0" i="1" smtClean="0">
+                              <a:latin typeface="Cambria Math" panose="02040503050406030204" pitchFamily="18" charset="0"/>
+                            </a:rPr>
+                            <m:t>1</m:t>
+                          </m:r>
+                        </m:e>
+                      </m:mr>
+                    </m:m>
+                  </m:oMath>
+                </a14:m>
+                <a:endParaRPr lang="zh-CN" altLang="en-US" sz="2400"/>
+              </a:p>
+            </p:txBody>
+          </p:sp>
+        </mc:Choice>
+        <mc:Fallback xmlns="">
+          <p:sp>
+            <p:nvSpPr>
+              <p:cNvPr id="3" name="内容占位符 2">
+                <a:extLst>
+                  <a:ext uri="{FF2B5EF4-FFF2-40B4-BE49-F238E27FC236}">
+                    <a16:creationId xmlns:a16="http://schemas.microsoft.com/office/drawing/2014/main" id="{EA191B2F-908A-4837-870D-26542D13141E}"/>
+                  </a:ext>
+                </a:extLst>
+              </p:cNvPr>
+              <p:cNvSpPr>
+                <a:spLocks noGrp="1" noRot="1" noChangeAspect="1" noMove="1" noResize="1" noEditPoints="1" noAdjustHandles="1" noChangeArrowheads="1" noChangeShapeType="1" noTextEdit="1"/>
+              </p:cNvSpPr>
+              <p:nvPr>
+                <p:ph idx="1"/>
+              </p:nvPr>
+            </p:nvSpPr>
+            <p:spPr>
+              <a:blipFill>
+                <a:blip r:embed="rId2"/>
+                <a:stretch>
+                  <a:fillRect l="-567" t="-2041"/>
+                </a:stretch>
+              </a:blipFill>
+            </p:spPr>
+            <p:txBody>
+              <a:bodyPr/>
+              <a:lstStyle/>
+              <a:p>
+                <a:r>
+                  <a:rPr lang="zh-CN" altLang="en-US">
+                    <a:noFill/>
+                  </a:rPr>
+                  <a:t> </a:t>
+                </a:r>
+              </a:p>
+            </p:txBody>
+          </p:sp>
+        </mc:Fallback>
+      </mc:AlternateContent>
+    </p:spTree>
+    <p:extLst>
+      <p:ext uri="{BB962C8B-B14F-4D97-AF65-F5344CB8AC3E}">
+        <p14:creationId xmlns:p14="http://schemas.microsoft.com/office/powerpoint/2010/main" val="4201297486"/>
+      </p:ext>
+    </p:extLst>
+  </p:cSld>
+  <p:clrMapOvr>
+    <a:masterClrMapping/>
+  </p:clrMapOvr>
+</p:sld>
+</file>
+
+<file path=ppt/slides/slide33.xml><?xml version="1.0" encoding="utf-8"?>
 <p:sld xmlns:a="http://schemas.openxmlformats.org/drawingml/2006/main" xmlns:r="http://schemas.openxmlformats.org/officeDocument/2006/relationships" xmlns:p="http://schemas.openxmlformats.org/presentationml/2006/main">
   <p:cSld>
     <p:spTree>
@@ -11896,8 +12405,8 @@
           </a:extLst>
         </p:spPr>
       </p:pic>
-      <mc:AlternateContent xmlns:mc="http://schemas.openxmlformats.org/markup-compatibility/2006">
-        <mc:Choice xmlns:a14="http://schemas.microsoft.com/office/drawing/2010/main" Requires="a14">
+      <mc:AlternateContent xmlns:mc="http://schemas.openxmlformats.org/markup-compatibility/2006" xmlns:a14="http://schemas.microsoft.com/office/drawing/2010/main">
+        <mc:Choice Requires="a14">
           <p:sp>
             <p:nvSpPr>
               <p:cNvPr id="12" name="文本框 11">
@@ -11926,6 +12435,7 @@
               </a:bodyPr>
               <a:lstStyle/>
               <a:p>
+                <a:pPr/>
                 <a14:m>
                   <m:oMathPara xmlns:m="http://schemas.openxmlformats.org/officeDocument/2006/math">
                     <m:oMathParaPr>
@@ -12012,7 +12522,7 @@
             </p:txBody>
           </p:sp>
         </mc:Choice>
-        <mc:Fallback>
+        <mc:Fallback xmlns="">
           <p:sp>
             <p:nvSpPr>
               <p:cNvPr id="12" name="文本框 11">
@@ -12057,6 +12567,121 @@
           </p:sp>
         </mc:Fallback>
       </mc:AlternateContent>
+      <p:sp>
+        <p:nvSpPr>
+          <p:cNvPr id="8" name="文本框 7">
+            <a:extLst>
+              <a:ext uri="{FF2B5EF4-FFF2-40B4-BE49-F238E27FC236}">
+                <a16:creationId xmlns:a16="http://schemas.microsoft.com/office/drawing/2014/main" id="{8A141F02-09FF-4772-B2A0-4068926BC1AC}"/>
+              </a:ext>
+            </a:extLst>
+          </p:cNvPr>
+          <p:cNvSpPr txBox="1"/>
+          <p:nvPr/>
+        </p:nvSpPr>
+        <p:spPr>
+          <a:xfrm>
+            <a:off x="3590560" y="2700313"/>
+            <a:ext cx="5683441" cy="461665"/>
+          </a:xfrm>
+          <a:prstGeom prst="rect">
+            <a:avLst/>
+          </a:prstGeom>
+          <a:noFill/>
+        </p:spPr>
+        <p:txBody>
+          <a:bodyPr wrap="square" rtlCol="0">
+            <a:spAutoFit/>
+          </a:bodyPr>
+          <a:lstStyle/>
+          <a:p>
+            <a:r>
+              <a:rPr lang="zh-CN" altLang="en-US" sz="2400" dirty="0">
+                <a:solidFill>
+                  <a:srgbClr val="FF0000"/>
+                </a:solidFill>
+              </a:rPr>
+              <a:t>我们可以直接指定</a:t>
+            </a:r>
+            <a:r>
+              <a:rPr lang="en-US" altLang="zh-CN" sz="2400" dirty="0">
+                <a:solidFill>
+                  <a:srgbClr val="FF0000"/>
+                </a:solidFill>
+              </a:rPr>
+              <a:t>K</a:t>
+            </a:r>
+            <a:r>
+              <a:rPr lang="zh-CN" altLang="en-US" sz="2400" dirty="0">
+                <a:solidFill>
+                  <a:srgbClr val="FF0000"/>
+                </a:solidFill>
+              </a:rPr>
+              <a:t>，从而隐式的指定</a:t>
+            </a:r>
+            <a:r>
+              <a:rPr lang="az-Cyrl-AZ" altLang="zh-CN" sz="2400" dirty="0">
+                <a:solidFill>
+                  <a:srgbClr val="FF0000"/>
+                </a:solidFill>
+              </a:rPr>
+              <a:t>Ф</a:t>
+            </a:r>
+            <a:endParaRPr lang="zh-CN" altLang="en-US" sz="2400" dirty="0">
+              <a:solidFill>
+                <a:srgbClr val="FF0000"/>
+              </a:solidFill>
+            </a:endParaRPr>
+          </a:p>
+        </p:txBody>
+      </p:sp>
+      <p:sp>
+        <p:nvSpPr>
+          <p:cNvPr id="3" name="文本框 2">
+            <a:extLst>
+              <a:ext uri="{FF2B5EF4-FFF2-40B4-BE49-F238E27FC236}">
+                <a16:creationId xmlns:a16="http://schemas.microsoft.com/office/drawing/2014/main" id="{7D1CA1AE-9898-4CD5-BACA-A674AA84D959}"/>
+              </a:ext>
+            </a:extLst>
+          </p:cNvPr>
+          <p:cNvSpPr txBox="1"/>
+          <p:nvPr/>
+        </p:nvSpPr>
+        <p:spPr>
+          <a:xfrm>
+            <a:off x="5156538" y="5187793"/>
+            <a:ext cx="4810193" cy="461665"/>
+          </a:xfrm>
+          <a:prstGeom prst="rect">
+            <a:avLst/>
+          </a:prstGeom>
+          <a:noFill/>
+        </p:spPr>
+        <p:txBody>
+          <a:bodyPr wrap="square" rtlCol="0">
+            <a:spAutoFit/>
+          </a:bodyPr>
+          <a:lstStyle/>
+          <a:p>
+            <a:r>
+              <a:rPr lang="en-US" altLang="zh-CN" sz="2400" dirty="0">
+                <a:solidFill>
+                  <a:srgbClr val="FF0000"/>
+                </a:solidFill>
+              </a:rPr>
+              <a:t>K</a:t>
+            </a:r>
+            <a:r>
+              <a:rPr lang="zh-CN" altLang="en-US" sz="2400" dirty="0">
+                <a:solidFill>
+                  <a:srgbClr val="FF0000"/>
+                </a:solidFill>
+              </a:rPr>
+              <a:t>可以随便定义，只要是正定的</a:t>
+            </a:r>
+          </a:p>
+        </p:txBody>
+      </p:sp>
     </p:spTree>
     <p:extLst>
       <p:ext uri="{BB962C8B-B14F-4D97-AF65-F5344CB8AC3E}">
@@ -12070,7 +12695,7 @@
 </p:sld>
 </file>
 
-<file path=ppt/slides/slide32.xml><?xml version="1.0" encoding="utf-8"?>
+<file path=ppt/slides/slide34.xml><?xml version="1.0" encoding="utf-8"?>
 <p:sld xmlns:a="http://schemas.openxmlformats.org/drawingml/2006/main" xmlns:r="http://schemas.openxmlformats.org/officeDocument/2006/relationships" xmlns:p="http://schemas.openxmlformats.org/presentationml/2006/main">
   <p:cSld>
     <p:spTree>
@@ -12163,7 +12788,7 @@
 </p:sld>
 </file>
 
-<file path=ppt/slides/slide33.xml><?xml version="1.0" encoding="utf-8"?>
+<file path=ppt/slides/slide35.xml><?xml version="1.0" encoding="utf-8"?>
 <p:sld xmlns:a="http://schemas.openxmlformats.org/drawingml/2006/main" xmlns:r="http://schemas.openxmlformats.org/officeDocument/2006/relationships" xmlns:p="http://schemas.openxmlformats.org/presentationml/2006/main">
   <p:cSld>
     <p:spTree>
@@ -12234,8 +12859,44 @@
         </p:blipFill>
         <p:spPr>
           <a:xfrm>
-            <a:off x="676191" y="2262104"/>
-            <a:ext cx="8915400" cy="4067175"/>
+            <a:off x="1062083" y="1275344"/>
+            <a:ext cx="6196611" cy="2826873"/>
+          </a:xfrm>
+          <a:prstGeom prst="rect">
+            <a:avLst/>
+          </a:prstGeom>
+        </p:spPr>
+      </p:pic>
+      <p:pic>
+        <p:nvPicPr>
+          <p:cNvPr id="5" name="图片 4">
+            <a:extLst>
+              <a:ext uri="{FF2B5EF4-FFF2-40B4-BE49-F238E27FC236}">
+                <a16:creationId xmlns:a16="http://schemas.microsoft.com/office/drawing/2014/main" id="{E583AEC2-BA05-47F8-B946-FED6B4897FE0}"/>
+              </a:ext>
+            </a:extLst>
+          </p:cNvPr>
+          <p:cNvPicPr>
+            <a:picLocks noChangeAspect="1"/>
+          </p:cNvPicPr>
+          <p:nvPr/>
+        </p:nvPicPr>
+        <p:blipFill>
+          <a:blip r:embed="rId3">
+            <a:extLst>
+              <a:ext uri="{28A0092B-C50C-407E-A947-70E740481C1C}">
+                <a14:useLocalDpi xmlns:a14="http://schemas.microsoft.com/office/drawing/2010/main" val="0"/>
+              </a:ext>
+            </a:extLst>
+          </a:blip>
+          <a:stretch>
+            <a:fillRect/>
+          </a:stretch>
+        </p:blipFill>
+        <p:spPr>
+          <a:xfrm>
+            <a:off x="1342239" y="4370664"/>
+            <a:ext cx="6198587" cy="2470558"/>
           </a:xfrm>
           <a:prstGeom prst="rect">
             <a:avLst/>
@@ -12246,483 +12907,6 @@
     <p:extLst>
       <p:ext uri="{BB962C8B-B14F-4D97-AF65-F5344CB8AC3E}">
         <p14:creationId xmlns:p14="http://schemas.microsoft.com/office/powerpoint/2010/main" val="2588489569"/>
-      </p:ext>
-    </p:extLst>
-  </p:cSld>
-  <p:clrMapOvr>
-    <a:masterClrMapping/>
-  </p:clrMapOvr>
-</p:sld>
-</file>
-
-<file path=ppt/slides/slide34.xml><?xml version="1.0" encoding="utf-8"?>
-<p:sld xmlns:a="http://schemas.openxmlformats.org/drawingml/2006/main" xmlns:r="http://schemas.openxmlformats.org/officeDocument/2006/relationships" xmlns:p="http://schemas.openxmlformats.org/presentationml/2006/main">
-  <p:cSld>
-    <p:spTree>
-      <p:nvGrpSpPr>
-        <p:cNvPr id="1" name=""/>
-        <p:cNvGrpSpPr/>
-        <p:nvPr/>
-      </p:nvGrpSpPr>
-      <p:grpSpPr>
-        <a:xfrm>
-          <a:off x="0" y="0"/>
-          <a:ext cx="0" cy="0"/>
-          <a:chOff x="0" y="0"/>
-          <a:chExt cx="0" cy="0"/>
-        </a:xfrm>
-      </p:grpSpPr>
-      <p:sp>
-        <p:nvSpPr>
-          <p:cNvPr id="2" name="标题 1">
-            <a:extLst>
-              <a:ext uri="{FF2B5EF4-FFF2-40B4-BE49-F238E27FC236}">
-                <a16:creationId xmlns:a16="http://schemas.microsoft.com/office/drawing/2014/main" id="{C4C3298E-12FF-4DEA-88F8-30A145F0E601}"/>
-              </a:ext>
-            </a:extLst>
-          </p:cNvPr>
-          <p:cNvSpPr>
-            <a:spLocks noGrp="1"/>
-          </p:cNvSpPr>
-          <p:nvPr>
-            <p:ph type="title"/>
-          </p:nvPr>
-        </p:nvSpPr>
-        <p:spPr/>
-        <p:txBody>
-          <a:bodyPr/>
-          <a:lstStyle/>
-          <a:p>
-            <a:r>
-              <a:rPr lang="zh-CN" altLang="en-US"/>
-              <a:t>从特征到核</a:t>
-            </a:r>
-          </a:p>
-        </p:txBody>
-      </p:sp>
-      <mc:AlternateContent xmlns:mc="http://schemas.openxmlformats.org/markup-compatibility/2006">
-        <mc:Choice xmlns:a14="http://schemas.microsoft.com/office/drawing/2010/main" Requires="a14">
-          <p:sp>
-            <p:nvSpPr>
-              <p:cNvPr id="3" name="内容占位符 2">
-                <a:extLst>
-                  <a:ext uri="{FF2B5EF4-FFF2-40B4-BE49-F238E27FC236}">
-                    <a16:creationId xmlns:a16="http://schemas.microsoft.com/office/drawing/2014/main" id="{EA191B2F-908A-4837-870D-26542D13141E}"/>
-                  </a:ext>
-                </a:extLst>
-              </p:cNvPr>
-              <p:cNvSpPr>
-                <a:spLocks noGrp="1"/>
-              </p:cNvSpPr>
-              <p:nvPr>
-                <p:ph idx="1"/>
-              </p:nvPr>
-            </p:nvSpPr>
-            <p:spPr/>
-            <p:txBody>
-              <a:bodyPr>
-                <a:normAutofit lnSpcReduction="10000"/>
-              </a:bodyPr>
-              <a:lstStyle/>
-              <a:p>
-                <a:r>
-                  <a:rPr lang="zh-CN" altLang="en-US" sz="2400"/>
-                  <a:t>特征：</a:t>
-                </a:r>
-                <a:endParaRPr lang="en-US" altLang="zh-CN" sz="2400"/>
-              </a:p>
-              <a:p>
-                <a:pPr lvl="1"/>
-                <a:r>
-                  <a:rPr lang="en-US" altLang="zh-CN" sz="2200"/>
-                  <a:t>A:	</a:t>
-                </a:r>
-                <a:r>
-                  <a:rPr lang="zh-CN" altLang="en-US" sz="2200"/>
-                  <a:t>性别：男</a:t>
-                </a:r>
-                <a:r>
-                  <a:rPr lang="en-US" altLang="zh-CN" sz="2200"/>
-                  <a:t>	</a:t>
-                </a:r>
-                <a:r>
-                  <a:rPr lang="zh-CN" altLang="en-US" sz="2200"/>
-                  <a:t>身高：</a:t>
-                </a:r>
-                <a:r>
-                  <a:rPr lang="en-US" altLang="zh-CN" sz="2200"/>
-                  <a:t>1.70	</a:t>
-                </a:r>
-                <a:r>
-                  <a:rPr lang="zh-CN" altLang="en-US" sz="2200"/>
-                  <a:t>体重：</a:t>
-                </a:r>
-                <a:r>
-                  <a:rPr lang="en-US" altLang="zh-CN" sz="2200"/>
-                  <a:t>70</a:t>
-                </a:r>
-              </a:p>
-              <a:p>
-                <a:pPr lvl="1"/>
-                <a:r>
-                  <a:rPr lang="en-US" altLang="zh-CN" sz="2200"/>
-                  <a:t>B:	</a:t>
-                </a:r>
-                <a:r>
-                  <a:rPr lang="zh-CN" altLang="en-US" sz="2200"/>
-                  <a:t>性别：女</a:t>
-                </a:r>
-                <a:r>
-                  <a:rPr lang="en-US" altLang="zh-CN" sz="2200"/>
-                  <a:t>	</a:t>
-                </a:r>
-                <a:r>
-                  <a:rPr lang="zh-CN" altLang="en-US" sz="2200"/>
-                  <a:t>身高：</a:t>
-                </a:r>
-                <a:r>
-                  <a:rPr lang="en-US" altLang="zh-CN" sz="2200"/>
-                  <a:t>1.60	</a:t>
-                </a:r>
-                <a:r>
-                  <a:rPr lang="zh-CN" altLang="en-US" sz="2200"/>
-                  <a:t>体重：</a:t>
-                </a:r>
-                <a:r>
-                  <a:rPr lang="en-US" altLang="zh-CN" sz="2200"/>
-                  <a:t>50</a:t>
-                </a:r>
-              </a:p>
-              <a:p>
-                <a:pPr lvl="1"/>
-                <a:r>
-                  <a:rPr lang="en-US" altLang="zh-CN" sz="2200"/>
-                  <a:t>C:	</a:t>
-                </a:r>
-                <a:r>
-                  <a:rPr lang="zh-CN" altLang="en-US" sz="2200"/>
-                  <a:t>性别：</a:t>
-                </a:r>
-                <a:r>
-                  <a:rPr lang="en-US" altLang="zh-CN" sz="2200"/>
-                  <a:t>?	</a:t>
-                </a:r>
-                <a:r>
-                  <a:rPr lang="zh-CN" altLang="en-US" sz="2200"/>
-                  <a:t>身高：</a:t>
-                </a:r>
-                <a:r>
-                  <a:rPr lang="en-US" altLang="zh-CN" sz="2200"/>
-                  <a:t>1.71	</a:t>
-                </a:r>
-                <a:r>
-                  <a:rPr lang="zh-CN" altLang="en-US" sz="2200"/>
-                  <a:t>体重：</a:t>
-                </a:r>
-                <a:r>
-                  <a:rPr lang="en-US" altLang="zh-CN" sz="2200"/>
-                  <a:t>65</a:t>
-                </a:r>
-              </a:p>
-              <a:p>
-                <a:pPr lvl="1"/>
-                <a:endParaRPr lang="en-US" altLang="zh-CN" sz="2200"/>
-              </a:p>
-              <a:p>
-                <a:r>
-                  <a:rPr lang="en-US" altLang="zh-CN" sz="2400" i="1">
-                    <a:latin typeface="Cambria Math" panose="02040503050406030204" pitchFamily="18" charset="0"/>
-                  </a:rPr>
-                  <a:t>A	B		C</a:t>
-                </a:r>
-              </a:p>
-              <a:p>
-                <a14:m>
-                  <m:oMath xmlns:m="http://schemas.openxmlformats.org/officeDocument/2006/math">
-                    <m:m>
-                      <m:mPr>
-                        <m:mcs>
-                          <m:mc>
-                            <m:mcPr>
-                              <m:count m:val="3"/>
-                              <m:mcJc m:val="center"/>
-                            </m:mcPr>
-                          </m:mc>
-                        </m:mcs>
-                        <m:ctrlPr>
-                          <a:rPr lang="en-US" altLang="zh-CN" sz="2400" i="1" smtClean="0">
-                            <a:latin typeface="Cambria Math" panose="02040503050406030204" pitchFamily="18" charset="0"/>
-                          </a:rPr>
-                        </m:ctrlPr>
-                      </m:mPr>
-                      <m:mr>
-                        <m:e>
-                          <m:r>
-                            <m:rPr>
-                              <m:brk m:alnAt="7"/>
-                            </m:rPr>
-                            <a:rPr lang="en-US" altLang="zh-CN" sz="2400" b="0" i="1" smtClean="0">
-                              <a:latin typeface="Cambria Math" panose="02040503050406030204" pitchFamily="18" charset="0"/>
-                            </a:rPr>
-                            <m:t>1</m:t>
-                          </m:r>
-                        </m:e>
-                        <m:e>
-                          <m:r>
-                            <a:rPr lang="en-US" altLang="zh-CN" sz="2400" b="0" i="1" smtClean="0">
-                              <a:latin typeface="Cambria Math" panose="02040503050406030204" pitchFamily="18" charset="0"/>
-                            </a:rPr>
-                            <m:t>0.1</m:t>
-                          </m:r>
-                        </m:e>
-                        <m:e>
-                          <m:r>
-                            <a:rPr lang="en-US" altLang="zh-CN" sz="2400" b="0" i="1" smtClean="0">
-                              <a:latin typeface="Cambria Math" panose="02040503050406030204" pitchFamily="18" charset="0"/>
-                            </a:rPr>
-                            <m:t>0.9</m:t>
-                          </m:r>
-                        </m:e>
-                      </m:mr>
-                      <m:mr>
-                        <m:e>
-                          <m:r>
-                            <a:rPr lang="en-US" altLang="zh-CN" sz="2400" b="0" i="1" smtClean="0">
-                              <a:latin typeface="Cambria Math" panose="02040503050406030204" pitchFamily="18" charset="0"/>
-                            </a:rPr>
-                            <m:t>0.1</m:t>
-                          </m:r>
-                        </m:e>
-                        <m:e>
-                          <m:r>
-                            <a:rPr lang="en-US" altLang="zh-CN" sz="2400" b="0" i="1" smtClean="0">
-                              <a:latin typeface="Cambria Math" panose="02040503050406030204" pitchFamily="18" charset="0"/>
-                            </a:rPr>
-                            <m:t>1</m:t>
-                          </m:r>
-                        </m:e>
-                        <m:e>
-                          <m:r>
-                            <a:rPr lang="en-US" altLang="zh-CN" sz="2400" b="0" i="1" smtClean="0">
-                              <a:latin typeface="Cambria Math" panose="02040503050406030204" pitchFamily="18" charset="0"/>
-                            </a:rPr>
-                            <m:t>0.1</m:t>
-                          </m:r>
-                        </m:e>
-                      </m:mr>
-                      <m:mr>
-                        <m:e>
-                          <m:r>
-                            <a:rPr lang="en-US" altLang="zh-CN" sz="2400" b="0" i="1" smtClean="0">
-                              <a:latin typeface="Cambria Math" panose="02040503050406030204" pitchFamily="18" charset="0"/>
-                            </a:rPr>
-                            <m:t>0.9</m:t>
-                          </m:r>
-                        </m:e>
-                        <m:e>
-                          <m:r>
-                            <a:rPr lang="en-US" altLang="zh-CN" sz="2400" b="0" i="1" smtClean="0">
-                              <a:latin typeface="Cambria Math" panose="02040503050406030204" pitchFamily="18" charset="0"/>
-                            </a:rPr>
-                            <m:t>0.1</m:t>
-                          </m:r>
-                        </m:e>
-                        <m:e>
-                          <m:r>
-                            <a:rPr lang="en-US" altLang="zh-CN" sz="2400" b="0" i="1" smtClean="0">
-                              <a:latin typeface="Cambria Math" panose="02040503050406030204" pitchFamily="18" charset="0"/>
-                            </a:rPr>
-                            <m:t>1</m:t>
-                          </m:r>
-                        </m:e>
-                      </m:mr>
-                    </m:m>
-                  </m:oMath>
-                </a14:m>
-                <a:endParaRPr lang="zh-CN" altLang="en-US" sz="2400"/>
-              </a:p>
-            </p:txBody>
-          </p:sp>
-        </mc:Choice>
-        <mc:Fallback>
-          <p:sp>
-            <p:nvSpPr>
-              <p:cNvPr id="3" name="内容占位符 2">
-                <a:extLst>
-                  <a:ext uri="{FF2B5EF4-FFF2-40B4-BE49-F238E27FC236}">
-                    <a16:creationId xmlns:a16="http://schemas.microsoft.com/office/drawing/2014/main" id="{EA191B2F-908A-4837-870D-26542D13141E}"/>
-                  </a:ext>
-                </a:extLst>
-              </p:cNvPr>
-              <p:cNvSpPr>
-                <a:spLocks noGrp="1" noRot="1" noChangeAspect="1" noMove="1" noResize="1" noEditPoints="1" noAdjustHandles="1" noChangeArrowheads="1" noChangeShapeType="1" noTextEdit="1"/>
-              </p:cNvSpPr>
-              <p:nvPr>
-                <p:ph idx="1"/>
-              </p:nvPr>
-            </p:nvSpPr>
-            <p:spPr>
-              <a:blipFill>
-                <a:blip r:embed="rId2"/>
-                <a:stretch>
-                  <a:fillRect l="-567" t="-2041"/>
-                </a:stretch>
-              </a:blipFill>
-            </p:spPr>
-            <p:txBody>
-              <a:bodyPr/>
-              <a:lstStyle/>
-              <a:p>
-                <a:r>
-                  <a:rPr lang="zh-CN" altLang="en-US">
-                    <a:noFill/>
-                  </a:rPr>
-                  <a:t> </a:t>
-                </a:r>
-              </a:p>
-            </p:txBody>
-          </p:sp>
-        </mc:Fallback>
-      </mc:AlternateContent>
-    </p:spTree>
-    <p:extLst>
-      <p:ext uri="{BB962C8B-B14F-4D97-AF65-F5344CB8AC3E}">
-        <p14:creationId xmlns:p14="http://schemas.microsoft.com/office/powerpoint/2010/main" val="4201297486"/>
-      </p:ext>
-    </p:extLst>
-  </p:cSld>
-  <p:clrMapOvr>
-    <a:masterClrMapping/>
-  </p:clrMapOvr>
-</p:sld>
-</file>
-
-<file path=ppt/slides/slide35.xml><?xml version="1.0" encoding="utf-8"?>
-<p:sld xmlns:a="http://schemas.openxmlformats.org/drawingml/2006/main" xmlns:r="http://schemas.openxmlformats.org/officeDocument/2006/relationships" xmlns:p="http://schemas.openxmlformats.org/presentationml/2006/main">
-  <p:cSld>
-    <p:spTree>
-      <p:nvGrpSpPr>
-        <p:cNvPr id="1" name=""/>
-        <p:cNvGrpSpPr/>
-        <p:nvPr/>
-      </p:nvGrpSpPr>
-      <p:grpSpPr>
-        <a:xfrm>
-          <a:off x="0" y="0"/>
-          <a:ext cx="0" cy="0"/>
-          <a:chOff x="0" y="0"/>
-          <a:chExt cx="0" cy="0"/>
-        </a:xfrm>
-      </p:grpSpPr>
-      <p:sp>
-        <p:nvSpPr>
-          <p:cNvPr id="2" name="标题 1">
-            <a:extLst>
-              <a:ext uri="{FF2B5EF4-FFF2-40B4-BE49-F238E27FC236}">
-                <a16:creationId xmlns:a16="http://schemas.microsoft.com/office/drawing/2014/main" id="{8795ED94-3680-46CF-B1B6-F622A593F890}"/>
-              </a:ext>
-            </a:extLst>
-          </p:cNvPr>
-          <p:cNvSpPr>
-            <a:spLocks noGrp="1"/>
-          </p:cNvSpPr>
-          <p:nvPr>
-            <p:ph type="title"/>
-          </p:nvPr>
-        </p:nvSpPr>
-        <p:spPr/>
-        <p:txBody>
-          <a:bodyPr/>
-          <a:lstStyle/>
-          <a:p>
-            <a:r>
-              <a:rPr lang="en-US" altLang="zh-CN"/>
-              <a:t>Kernel Trick</a:t>
-            </a:r>
-            <a:r>
-              <a:rPr lang="zh-CN" altLang="en-US"/>
-              <a:t>启示</a:t>
-            </a:r>
-          </a:p>
-        </p:txBody>
-      </p:sp>
-      <p:sp>
-        <p:nvSpPr>
-          <p:cNvPr id="3" name="内容占位符 2">
-            <a:extLst>
-              <a:ext uri="{FF2B5EF4-FFF2-40B4-BE49-F238E27FC236}">
-                <a16:creationId xmlns:a16="http://schemas.microsoft.com/office/drawing/2014/main" id="{1346C6B0-9DF9-4398-9AFC-2C4768AAB8AB}"/>
-              </a:ext>
-            </a:extLst>
-          </p:cNvPr>
-          <p:cNvSpPr>
-            <a:spLocks noGrp="1"/>
-          </p:cNvSpPr>
-          <p:nvPr>
-            <p:ph idx="1"/>
-          </p:nvPr>
-        </p:nvSpPr>
-        <p:spPr/>
-        <p:txBody>
-          <a:bodyPr>
-            <a:normAutofit fontScale="92500" lnSpcReduction="20000"/>
-          </a:bodyPr>
-          <a:lstStyle/>
-          <a:p>
-            <a:r>
-              <a:rPr lang="zh-CN" altLang="en-US" sz="2400"/>
-              <a:t>事物之间可测量的是特征</a:t>
-            </a:r>
-            <a:endParaRPr lang="en-US" altLang="zh-CN" sz="2400"/>
-          </a:p>
-          <a:p>
-            <a:endParaRPr lang="en-US" altLang="zh-CN" sz="2400"/>
-          </a:p>
-          <a:p>
-            <a:r>
-              <a:rPr lang="zh-CN" altLang="en-US" sz="2400"/>
-              <a:t>人类感受到的却是两两之间的相似度</a:t>
-            </a:r>
-            <a:endParaRPr lang="en-US" altLang="zh-CN" sz="2400"/>
-          </a:p>
-          <a:p>
-            <a:endParaRPr lang="en-US" altLang="zh-CN" sz="2400"/>
-          </a:p>
-          <a:p>
-            <a:r>
-              <a:rPr lang="zh-CN" altLang="en-US" sz="2400"/>
-              <a:t>西方思维以特征为核心，类似线性思维</a:t>
-            </a:r>
-            <a:endParaRPr lang="en-US" altLang="zh-CN" sz="2400"/>
-          </a:p>
-          <a:p>
-            <a:endParaRPr lang="en-US" altLang="zh-CN" sz="2400"/>
-          </a:p>
-          <a:p>
-            <a:r>
-              <a:rPr lang="zh-CN" altLang="en-US" sz="2400"/>
-              <a:t>东方思维以人和人之间关系为核心，类似</a:t>
-            </a:r>
-            <a:r>
-              <a:rPr lang="en-US" altLang="zh-CN" sz="2400"/>
-              <a:t>kernel trick</a:t>
-            </a:r>
-          </a:p>
-          <a:p>
-            <a:endParaRPr lang="en-US" altLang="zh-CN" sz="2400"/>
-          </a:p>
-          <a:p>
-            <a:r>
-              <a:rPr lang="zh-CN" altLang="en-US" sz="2400"/>
-              <a:t>“对事不对人”是非常高的道德要求，但是人和事是卷在一起的，很难分离</a:t>
-            </a:r>
-          </a:p>
-        </p:txBody>
-      </p:sp>
-    </p:spTree>
-    <p:extLst>
-      <p:ext uri="{BB962C8B-B14F-4D97-AF65-F5344CB8AC3E}">
-        <p14:creationId xmlns:p14="http://schemas.microsoft.com/office/powerpoint/2010/main" val="684636309"/>
       </p:ext>
     </p:extLst>
   </p:cSld>
@@ -12754,6 +12938,141 @@
           <p:cNvPr id="2" name="标题 1">
             <a:extLst>
               <a:ext uri="{FF2B5EF4-FFF2-40B4-BE49-F238E27FC236}">
+                <a16:creationId xmlns:a16="http://schemas.microsoft.com/office/drawing/2014/main" id="{8795ED94-3680-46CF-B1B6-F622A593F890}"/>
+              </a:ext>
+            </a:extLst>
+          </p:cNvPr>
+          <p:cNvSpPr>
+            <a:spLocks noGrp="1"/>
+          </p:cNvSpPr>
+          <p:nvPr>
+            <p:ph type="title"/>
+          </p:nvPr>
+        </p:nvSpPr>
+        <p:spPr/>
+        <p:txBody>
+          <a:bodyPr/>
+          <a:lstStyle/>
+          <a:p>
+            <a:r>
+              <a:rPr lang="en-US" altLang="zh-CN"/>
+              <a:t>Kernel Trick</a:t>
+            </a:r>
+            <a:r>
+              <a:rPr lang="zh-CN" altLang="en-US"/>
+              <a:t>启示</a:t>
+            </a:r>
+          </a:p>
+        </p:txBody>
+      </p:sp>
+      <p:sp>
+        <p:nvSpPr>
+          <p:cNvPr id="3" name="内容占位符 2">
+            <a:extLst>
+              <a:ext uri="{FF2B5EF4-FFF2-40B4-BE49-F238E27FC236}">
+                <a16:creationId xmlns:a16="http://schemas.microsoft.com/office/drawing/2014/main" id="{1346C6B0-9DF9-4398-9AFC-2C4768AAB8AB}"/>
+              </a:ext>
+            </a:extLst>
+          </p:cNvPr>
+          <p:cNvSpPr>
+            <a:spLocks noGrp="1"/>
+          </p:cNvSpPr>
+          <p:nvPr>
+            <p:ph idx="1"/>
+          </p:nvPr>
+        </p:nvSpPr>
+        <p:spPr/>
+        <p:txBody>
+          <a:bodyPr>
+            <a:normAutofit fontScale="92500" lnSpcReduction="20000"/>
+          </a:bodyPr>
+          <a:lstStyle/>
+          <a:p>
+            <a:r>
+              <a:rPr lang="zh-CN" altLang="en-US" sz="2400"/>
+              <a:t>事物之间可测量的是特征</a:t>
+            </a:r>
+            <a:endParaRPr lang="en-US" altLang="zh-CN" sz="2400"/>
+          </a:p>
+          <a:p>
+            <a:endParaRPr lang="en-US" altLang="zh-CN" sz="2400"/>
+          </a:p>
+          <a:p>
+            <a:r>
+              <a:rPr lang="zh-CN" altLang="en-US" sz="2400"/>
+              <a:t>人类感受到的却是两两之间的相似度</a:t>
+            </a:r>
+            <a:endParaRPr lang="en-US" altLang="zh-CN" sz="2400"/>
+          </a:p>
+          <a:p>
+            <a:endParaRPr lang="en-US" altLang="zh-CN" sz="2400"/>
+          </a:p>
+          <a:p>
+            <a:r>
+              <a:rPr lang="zh-CN" altLang="en-US" sz="2400"/>
+              <a:t>西方思维以特征为核心，类似线性思维</a:t>
+            </a:r>
+            <a:endParaRPr lang="en-US" altLang="zh-CN" sz="2400"/>
+          </a:p>
+          <a:p>
+            <a:endParaRPr lang="en-US" altLang="zh-CN" sz="2400"/>
+          </a:p>
+          <a:p>
+            <a:r>
+              <a:rPr lang="zh-CN" altLang="en-US" sz="2400"/>
+              <a:t>东方思维以人和人之间关系为核心，类似</a:t>
+            </a:r>
+            <a:r>
+              <a:rPr lang="en-US" altLang="zh-CN" sz="2400"/>
+              <a:t>kernel trick</a:t>
+            </a:r>
+          </a:p>
+          <a:p>
+            <a:endParaRPr lang="en-US" altLang="zh-CN" sz="2400"/>
+          </a:p>
+          <a:p>
+            <a:r>
+              <a:rPr lang="zh-CN" altLang="en-US" sz="2400"/>
+              <a:t>“对事不对人”是非常高的道德要求，但是人和事是卷在一起的，很难分离</a:t>
+            </a:r>
+          </a:p>
+        </p:txBody>
+      </p:sp>
+    </p:spTree>
+    <p:extLst>
+      <p:ext uri="{BB962C8B-B14F-4D97-AF65-F5344CB8AC3E}">
+        <p14:creationId xmlns:p14="http://schemas.microsoft.com/office/powerpoint/2010/main" val="684636309"/>
+      </p:ext>
+    </p:extLst>
+  </p:cSld>
+  <p:clrMapOvr>
+    <a:masterClrMapping/>
+  </p:clrMapOvr>
+</p:sld>
+</file>
+
+<file path=ppt/slides/slide37.xml><?xml version="1.0" encoding="utf-8"?>
+<p:sld xmlns:a="http://schemas.openxmlformats.org/drawingml/2006/main" xmlns:r="http://schemas.openxmlformats.org/officeDocument/2006/relationships" xmlns:p="http://schemas.openxmlformats.org/presentationml/2006/main">
+  <p:cSld>
+    <p:spTree>
+      <p:nvGrpSpPr>
+        <p:cNvPr id="1" name=""/>
+        <p:cNvGrpSpPr/>
+        <p:nvPr/>
+      </p:nvGrpSpPr>
+      <p:grpSpPr>
+        <a:xfrm>
+          <a:off x="0" y="0"/>
+          <a:ext cx="0" cy="0"/>
+          <a:chOff x="0" y="0"/>
+          <a:chExt cx="0" cy="0"/>
+        </a:xfrm>
+      </p:grpSpPr>
+      <p:sp>
+        <p:nvSpPr>
+          <p:cNvPr id="2" name="标题 1">
+            <a:extLst>
+              <a:ext uri="{FF2B5EF4-FFF2-40B4-BE49-F238E27FC236}">
                 <a16:creationId xmlns:a16="http://schemas.microsoft.com/office/drawing/2014/main" id="{86FB9DC5-2BE4-4B28-AE3A-212DC1AFC65F}"/>
               </a:ext>
             </a:extLst>
@@ -12844,8 +13163,8 @@
           </a:p>
         </p:txBody>
       </p:sp>
-      <mc:AlternateContent xmlns:mc="http://schemas.openxmlformats.org/markup-compatibility/2006">
-        <mc:Choice xmlns:a14="http://schemas.microsoft.com/office/drawing/2010/main" Requires="a14">
+      <mc:AlternateContent xmlns:mc="http://schemas.openxmlformats.org/markup-compatibility/2006" xmlns:a14="http://schemas.microsoft.com/office/drawing/2010/main">
+        <mc:Choice Requires="a14">
           <p:sp>
             <p:nvSpPr>
               <p:cNvPr id="4" name="文本框 3">
@@ -12998,7 +13317,7 @@
             </p:txBody>
           </p:sp>
         </mc:Choice>
-        <mc:Fallback>
+        <mc:Fallback xmlns="">
           <p:sp>
             <p:nvSpPr>
               <p:cNvPr id="4" name="文本框 3">
@@ -13126,7 +13445,7 @@
 </p:sld>
 </file>
 
-<file path=ppt/slides/slide37.xml><?xml version="1.0" encoding="utf-8"?>
+<file path=ppt/slides/slide38.xml><?xml version="1.0" encoding="utf-8"?>
 <p:sld xmlns:a="http://schemas.openxmlformats.org/drawingml/2006/main" xmlns:r="http://schemas.openxmlformats.org/officeDocument/2006/relationships" xmlns:p="http://schemas.openxmlformats.org/presentationml/2006/main">
   <p:cSld>
     <p:spTree>
@@ -13438,7 +13757,7 @@
 </p:sld>
 </file>
 
-<file path=ppt/slides/slide38.xml><?xml version="1.0" encoding="utf-8"?>
+<file path=ppt/slides/slide39.xml><?xml version="1.0" encoding="utf-8"?>
 <p:sld xmlns:a="http://schemas.openxmlformats.org/drawingml/2006/main" xmlns:r="http://schemas.openxmlformats.org/officeDocument/2006/relationships" xmlns:p="http://schemas.openxmlformats.org/presentationml/2006/main">
   <p:cSld>
     <p:spTree>
